--- a/非受控文档/05-陈子卿/PRD2018-G11-UML结构.pptx
+++ b/非受控文档/05-陈子卿/PRD2018-G11-UML结构.pptx
@@ -12,7 +12,7 @@
   </p:handoutMasterIdLst>
   <p:sldIdLst>
     <p:sldId id="370" r:id="rId3"/>
-    <p:sldId id="411" r:id="rId5"/>
+    <p:sldId id="492" r:id="rId5"/>
     <p:sldId id="439" r:id="rId6"/>
     <p:sldId id="471" r:id="rId7"/>
     <p:sldId id="470" r:id="rId8"/>
@@ -5078,11 +5078,7 @@
             </a:r>
             <a:r>
               <a:rPr lang="zh-CN" altLang="en-US" sz="3200" dirty="0"/>
-              <a:t>行为</a:t>
-            </a:r>
-            <a:r>
-              <a:rPr lang="zh-CN" altLang="en-US" sz="3200" dirty="0"/>
-              <a:t>事物</a:t>
+              <a:t>行为事物</a:t>
             </a:r>
             <a:endParaRPr lang="zh-CN" altLang="en-US" sz="3200" dirty="0"/>
           </a:p>
@@ -5572,11 +5568,7 @@
             </a:r>
             <a:r>
               <a:rPr lang="zh-CN" altLang="en-US" sz="3200" dirty="0"/>
-              <a:t>分组</a:t>
-            </a:r>
-            <a:r>
-              <a:rPr lang="zh-CN" altLang="en-US" sz="3200" dirty="0"/>
-              <a:t>事物</a:t>
+              <a:t>分组事物</a:t>
             </a:r>
             <a:endParaRPr lang="zh-CN" altLang="en-US" sz="3200" dirty="0"/>
           </a:p>
@@ -5910,11 +5902,7 @@
             </a:r>
             <a:r>
               <a:rPr lang="zh-CN" altLang="en-US" sz="3200" dirty="0"/>
-              <a:t>注释</a:t>
-            </a:r>
-            <a:r>
-              <a:rPr lang="zh-CN" altLang="en-US" sz="3200" dirty="0"/>
-              <a:t>事物</a:t>
+              <a:t>注释事物</a:t>
             </a:r>
             <a:endParaRPr lang="zh-CN" altLang="en-US" sz="3200" dirty="0"/>
           </a:p>
@@ -6684,7 +6672,15 @@
           <a:p>
             <a:r>
               <a:rPr sz="2400" dirty="0"/>
-              <a:t>对象图战士了一组对象以及他们之间关系。用对象图说明类图中所反映的事务实力的数据和静态快照。</a:t>
+              <a:t>对象图</a:t>
+            </a:r>
+            <a:r>
+              <a:rPr lang="zh-CN" sz="2400" dirty="0"/>
+              <a:t>展示</a:t>
+            </a:r>
+            <a:r>
+              <a:rPr sz="2400" dirty="0"/>
+              <a:t>了一组对象以及他们之间关系。用对象图说明类图中所反映的事务实力的数据和静态快照。</a:t>
             </a:r>
             <a:endParaRPr sz="2400" dirty="0"/>
           </a:p>
@@ -7791,7 +7787,7 @@
         </p:nvGraphicFramePr>
         <p:xfrm>
           <a:off x="3934967" y="1629594"/>
-          <a:ext cx="6984474" cy="4005014"/>
+          <a:ext cx="6984474" cy="4105344"/>
         </p:xfrm>
         <a:graphic>
           <a:graphicData uri="http://schemas.openxmlformats.org/drawingml/2006/table">
@@ -8490,8 +8486,8 @@
         </p:nvSpPr>
         <p:spPr>
           <a:xfrm>
-            <a:off x="5437266" y="881910"/>
-            <a:ext cx="513261" cy="511504"/>
+            <a:off x="5164674" y="920343"/>
+            <a:ext cx="801956" cy="511504"/>
           </a:xfrm>
           <a:prstGeom prst="roundRect">
             <a:avLst/>
@@ -8534,81 +8530,14 @@
               <a:defRPr/>
             </a:pPr>
             <a:r>
-              <a:rPr lang="en-US" altLang="zh-CN" sz="3600" dirty="0">
+              <a:rPr lang="en-US" altLang="zh-CN" sz="2400" dirty="0" smtClean="0">
                 <a:latin typeface="+mj-lt"/>
                 <a:ea typeface="Arial Unicode MS" panose="020B0604020202020204" pitchFamily="34" charset="-122"/>
                 <a:cs typeface="Arial Unicode MS" panose="020B0604020202020204" pitchFamily="34" charset="-122"/>
               </a:rPr>
-              <a:t>1</a:t>
-            </a:r>
-            <a:endParaRPr lang="zh-CN" altLang="en-US" sz="3600" dirty="0">
-              <a:latin typeface="+mj-lt"/>
-              <a:ea typeface="Arial Unicode MS" panose="020B0604020202020204" pitchFamily="34" charset="-122"/>
-              <a:cs typeface="Arial Unicode MS" panose="020B0604020202020204" pitchFamily="34" charset="-122"/>
-            </a:endParaRPr>
-          </a:p>
-        </p:txBody>
-      </p:sp>
-      <p:sp>
-        <p:nvSpPr>
-          <p:cNvPr id="20" name="圆角矩形 19"/>
-          <p:cNvSpPr/>
-          <p:nvPr/>
-        </p:nvSpPr>
-        <p:spPr>
-          <a:xfrm>
-            <a:off x="5437266" y="1758367"/>
-            <a:ext cx="513261" cy="511504"/>
-          </a:xfrm>
-          <a:prstGeom prst="roundRect">
-            <a:avLst/>
-          </a:prstGeom>
-          <a:solidFill>
-            <a:schemeClr val="accent1"/>
-          </a:solidFill>
-          <a:ln>
-            <a:noFill/>
-          </a:ln>
-          <a:effectLst>
-            <a:outerShdw blurRad="50800" dist="38100" dir="5400000" algn="t" rotWithShape="0">
-              <a:prstClr val="black">
-                <a:alpha val="40000"/>
-              </a:prstClr>
-            </a:outerShdw>
-          </a:effectLst>
-        </p:spPr>
-        <p:style>
-          <a:lnRef idx="2">
-            <a:schemeClr val="accent1">
-              <a:shade val="50000"/>
-            </a:schemeClr>
-          </a:lnRef>
-          <a:fillRef idx="1">
-            <a:schemeClr val="accent1"/>
-          </a:fillRef>
-          <a:effectRef idx="0">
-            <a:schemeClr val="accent1"/>
-          </a:effectRef>
-          <a:fontRef idx="minor">
-            <a:schemeClr val="lt1"/>
-          </a:fontRef>
-        </p:style>
-        <p:txBody>
-          <a:bodyPr lIns="121960" tIns="60980" rIns="121960" bIns="60980" anchor="ctr"/>
-          <a:lstStyle/>
-          <a:p>
-            <a:pPr algn="ctr">
-              <a:defRPr/>
-            </a:pPr>
-            <a:r>
-              <a:rPr lang="en-US" altLang="zh-CN" sz="3600" dirty="0">
-                <a:latin typeface="+mj-lt"/>
-                <a:ea typeface="Arial Unicode MS" panose="020B0604020202020204" pitchFamily="34" charset="-122"/>
-                <a:cs typeface="Arial Unicode MS" panose="020B0604020202020204" pitchFamily="34" charset="-122"/>
-              </a:rPr>
-              <a:t>2</a:t>
-            </a:r>
-            <a:endParaRPr lang="zh-CN" altLang="en-US" sz="3600" dirty="0">
+              <a:t>1.1</a:t>
+            </a:r>
+            <a:endParaRPr lang="zh-CN" altLang="en-US" sz="3200" dirty="0">
               <a:latin typeface="+mj-lt"/>
               <a:ea typeface="Arial Unicode MS" panose="020B0604020202020204" pitchFamily="34" charset="-122"/>
               <a:cs typeface="Arial Unicode MS" panose="020B0604020202020204" pitchFamily="34" charset="-122"/>
@@ -8714,7 +8643,7 @@
                 <a:defRPr/>
               </a:pPr>
               <a:r>
-                <a:rPr lang="en-US" altLang="zh-CN" sz="2000" b="1" kern="100" dirty="0">
+                <a:rPr lang="en-US" altLang="zh-CN" sz="2000" b="1" kern="100" dirty="0" smtClean="0">
                   <a:solidFill>
                     <a:schemeClr val="bg1"/>
                   </a:solidFill>
@@ -8725,7 +8654,7 @@
                 <a:t>UML</a:t>
               </a:r>
               <a:r>
-                <a:rPr lang="zh-CN" altLang="en-US" sz="2000" b="1" kern="100" dirty="0">
+                <a:rPr lang="zh-CN" altLang="en-US" sz="2000" b="1" kern="100" dirty="0" smtClean="0">
                   <a:solidFill>
                     <a:schemeClr val="bg1"/>
                   </a:solidFill>
@@ -8735,7 +8664,7 @@
                 </a:rPr>
                 <a:t>的发展历程</a:t>
               </a:r>
-              <a:endParaRPr lang="zh-CN" altLang="en-US" sz="2000" b="1" kern="100" dirty="0">
+              <a:endParaRPr lang="zh-CN" altLang="zh-CN" sz="2000" b="1" kern="100" dirty="0">
                 <a:solidFill>
                   <a:schemeClr val="bg1"/>
                 </a:solidFill>
@@ -8747,73 +8676,6 @@
           </p:txBody>
         </p:sp>
       </p:grpSp>
-      <p:sp>
-        <p:nvSpPr>
-          <p:cNvPr id="28" name="圆角矩形 27"/>
-          <p:cNvSpPr/>
-          <p:nvPr/>
-        </p:nvSpPr>
-        <p:spPr>
-          <a:xfrm>
-            <a:off x="5444054" y="2478141"/>
-            <a:ext cx="513261" cy="511504"/>
-          </a:xfrm>
-          <a:prstGeom prst="roundRect">
-            <a:avLst/>
-          </a:prstGeom>
-          <a:solidFill>
-            <a:schemeClr val="accent1"/>
-          </a:solidFill>
-          <a:ln>
-            <a:noFill/>
-          </a:ln>
-          <a:effectLst>
-            <a:outerShdw blurRad="50800" dist="38100" dir="5400000" algn="t" rotWithShape="0">
-              <a:prstClr val="black">
-                <a:alpha val="40000"/>
-              </a:prstClr>
-            </a:outerShdw>
-          </a:effectLst>
-        </p:spPr>
-        <p:style>
-          <a:lnRef idx="2">
-            <a:schemeClr val="accent1">
-              <a:shade val="50000"/>
-            </a:schemeClr>
-          </a:lnRef>
-          <a:fillRef idx="1">
-            <a:schemeClr val="accent1"/>
-          </a:fillRef>
-          <a:effectRef idx="0">
-            <a:schemeClr val="accent1"/>
-          </a:effectRef>
-          <a:fontRef idx="minor">
-            <a:schemeClr val="lt1"/>
-          </a:fontRef>
-        </p:style>
-        <p:txBody>
-          <a:bodyPr lIns="121960" tIns="60980" rIns="121960" bIns="60980" anchor="ctr"/>
-          <a:lstStyle/>
-          <a:p>
-            <a:pPr algn="ctr">
-              <a:defRPr/>
-            </a:pPr>
-            <a:r>
-              <a:rPr lang="en-US" altLang="zh-CN" sz="3600" dirty="0">
-                <a:latin typeface="+mj-lt"/>
-                <a:ea typeface="Arial Unicode MS" panose="020B0604020202020204" pitchFamily="34" charset="-122"/>
-                <a:cs typeface="Arial Unicode MS" panose="020B0604020202020204" pitchFamily="34" charset="-122"/>
-              </a:rPr>
-              <a:t>3</a:t>
-            </a:r>
-            <a:endParaRPr lang="en-US" altLang="zh-CN" sz="3600" dirty="0">
-              <a:latin typeface="+mj-lt"/>
-              <a:ea typeface="Arial Unicode MS" panose="020B0604020202020204" pitchFamily="34" charset="-122"/>
-              <a:cs typeface="Arial Unicode MS" panose="020B0604020202020204" pitchFamily="34" charset="-122"/>
-            </a:endParaRPr>
-          </a:p>
-        </p:txBody>
-      </p:sp>
       <p:grpSp>
         <p:nvGrpSpPr>
           <p:cNvPr id="29" name="组合 28"/>
@@ -8912,7 +8774,7 @@
                 <a:defRPr/>
               </a:pPr>
               <a:r>
-                <a:rPr lang="en-US" altLang="zh-CN" sz="2000" b="1" kern="100" dirty="0">
+                <a:rPr lang="en-US" altLang="zh-CN" sz="2000" b="1" kern="100" dirty="0" smtClean="0">
                   <a:solidFill>
                     <a:schemeClr val="bg1"/>
                   </a:solidFill>
@@ -8923,7 +8785,7 @@
                 <a:t>UML</a:t>
               </a:r>
               <a:r>
-                <a:rPr lang="zh-CN" altLang="en-US" sz="2000" b="1" kern="100" dirty="0">
+                <a:rPr lang="zh-CN" altLang="en-US" sz="2000" b="1" kern="100" dirty="0" smtClean="0">
                   <a:solidFill>
                     <a:schemeClr val="bg1"/>
                   </a:solidFill>
@@ -8933,7 +8795,7 @@
                 </a:rPr>
                 <a:t>的特点</a:t>
               </a:r>
-              <a:endParaRPr lang="zh-CN" altLang="en-US" sz="2000" b="1" kern="100" dirty="0">
+              <a:endParaRPr lang="zh-CN" altLang="zh-CN" sz="2000" b="1" kern="100" dirty="0">
                 <a:solidFill>
                   <a:schemeClr val="bg1"/>
                 </a:solidFill>
@@ -9011,8 +8873,8 @@
         </p:nvSpPr>
         <p:spPr>
           <a:xfrm>
-            <a:off x="478582" y="1655826"/>
-            <a:ext cx="1804169" cy="614045"/>
+            <a:off x="194519" y="2219567"/>
+            <a:ext cx="2808312" cy="614045"/>
           </a:xfrm>
           <a:prstGeom prst="rect">
             <a:avLst/>
@@ -9028,6 +8890,16 @@
             <a:pPr algn="r">
               <a:defRPr/>
             </a:pPr>
+            <a:r>
+              <a:rPr lang="en-US" altLang="zh-CN" sz="3200" b="1" dirty="0" smtClean="0">
+                <a:solidFill>
+                  <a:schemeClr val="bg1"/>
+                </a:solidFill>
+                <a:latin typeface="微软雅黑" panose="020B0503020204020204" pitchFamily="34" charset="-122"/>
+                <a:ea typeface="微软雅黑" panose="020B0503020204020204" pitchFamily="34" charset="-122"/>
+              </a:rPr>
+              <a:t>UML</a:t>
+            </a:r>
             <a:r>
               <a:rPr lang="zh-CN" altLang="en-US" sz="3200" b="1" dirty="0" smtClean="0">
                 <a:solidFill>
@@ -9036,7 +8908,7 @@
                 <a:latin typeface="微软雅黑" panose="020B0503020204020204" pitchFamily="34" charset="-122"/>
                 <a:ea typeface="微软雅黑" panose="020B0503020204020204" pitchFamily="34" charset="-122"/>
               </a:rPr>
-              <a:t>目录</a:t>
+              <a:t>概述</a:t>
             </a:r>
             <a:endParaRPr lang="zh-CN" sz="3200" b="1" dirty="0">
               <a:solidFill>
@@ -9098,73 +8970,6 @@
           <a:p>
             <a:pPr algn="ctr"/>
             <a:endParaRPr lang="zh-CN" altLang="en-US"/>
-          </a:p>
-        </p:txBody>
-      </p:sp>
-      <p:sp>
-        <p:nvSpPr>
-          <p:cNvPr id="24" name="圆角矩形 23"/>
-          <p:cNvSpPr/>
-          <p:nvPr/>
-        </p:nvSpPr>
-        <p:spPr>
-          <a:xfrm>
-            <a:off x="5451363" y="3253935"/>
-            <a:ext cx="513261" cy="511504"/>
-          </a:xfrm>
-          <a:prstGeom prst="roundRect">
-            <a:avLst/>
-          </a:prstGeom>
-          <a:solidFill>
-            <a:schemeClr val="accent1"/>
-          </a:solidFill>
-          <a:ln>
-            <a:noFill/>
-          </a:ln>
-          <a:effectLst>
-            <a:outerShdw blurRad="50800" dist="38100" dir="5400000" algn="t" rotWithShape="0">
-              <a:prstClr val="black">
-                <a:alpha val="40000"/>
-              </a:prstClr>
-            </a:outerShdw>
-          </a:effectLst>
-        </p:spPr>
-        <p:style>
-          <a:lnRef idx="2">
-            <a:schemeClr val="accent1">
-              <a:shade val="50000"/>
-            </a:schemeClr>
-          </a:lnRef>
-          <a:fillRef idx="1">
-            <a:schemeClr val="accent1"/>
-          </a:fillRef>
-          <a:effectRef idx="0">
-            <a:schemeClr val="accent1"/>
-          </a:effectRef>
-          <a:fontRef idx="minor">
-            <a:schemeClr val="lt1"/>
-          </a:fontRef>
-        </p:style>
-        <p:txBody>
-          <a:bodyPr lIns="121960" tIns="60980" rIns="121960" bIns="60980" anchor="ctr"/>
-          <a:lstStyle/>
-          <a:p>
-            <a:pPr algn="ctr">
-              <a:defRPr/>
-            </a:pPr>
-            <a:r>
-              <a:rPr lang="en-US" altLang="zh-CN" sz="3600" dirty="0">
-                <a:latin typeface="+mj-lt"/>
-                <a:ea typeface="Arial Unicode MS" panose="020B0604020202020204" pitchFamily="34" charset="-122"/>
-                <a:cs typeface="Arial Unicode MS" panose="020B0604020202020204" pitchFamily="34" charset="-122"/>
-              </a:rPr>
-              <a:t>4</a:t>
-            </a:r>
-            <a:endParaRPr lang="en-US" altLang="zh-CN" sz="3600" dirty="0">
-              <a:latin typeface="+mj-lt"/>
-              <a:ea typeface="Arial Unicode MS" panose="020B0604020202020204" pitchFamily="34" charset="-122"/>
-              <a:cs typeface="Arial Unicode MS" panose="020B0604020202020204" pitchFamily="34" charset="-122"/>
-            </a:endParaRPr>
           </a:p>
         </p:txBody>
       </p:sp>
@@ -9266,7 +9071,7 @@
                 <a:defRPr/>
               </a:pPr>
               <a:r>
-                <a:rPr lang="zh-CN" altLang="zh-CN" sz="2000" b="1" kern="100" dirty="0">
+                <a:rPr lang="zh-CN" altLang="en-US" sz="2000" b="1" kern="100" dirty="0" smtClean="0">
                   <a:solidFill>
                     <a:schemeClr val="bg1"/>
                   </a:solidFill>
@@ -9277,6 +9082,17 @@
                 <a:t>什么是</a:t>
               </a:r>
               <a:r>
+                <a:rPr lang="en-US" altLang="zh-CN" sz="2000" b="1" kern="100" dirty="0" smtClean="0">
+                  <a:solidFill>
+                    <a:schemeClr val="bg1"/>
+                  </a:solidFill>
+                  <a:latin typeface="微软雅黑" panose="020B0503020204020204" pitchFamily="34" charset="-122"/>
+                  <a:ea typeface="微软雅黑" panose="020B0503020204020204" pitchFamily="34" charset="-122"/>
+                  <a:cs typeface="Times New Roman" panose="02020603050405020304" pitchFamily="18" charset="0"/>
+                </a:rPr>
+                <a:t>UM</a:t>
+              </a:r>
+              <a:r>
                 <a:rPr lang="en-US" altLang="zh-CN" sz="2000" b="1" kern="100" dirty="0">
                   <a:solidFill>
                     <a:schemeClr val="bg1"/>
@@ -9285,9 +9101,9 @@
                   <a:ea typeface="微软雅黑" panose="020B0503020204020204" pitchFamily="34" charset="-122"/>
                   <a:cs typeface="Times New Roman" panose="02020603050405020304" pitchFamily="18" charset="0"/>
                 </a:rPr>
-                <a:t>UML</a:t>
+                <a:t>L</a:t>
               </a:r>
-              <a:endParaRPr lang="en-US" altLang="zh-CN" sz="2000" b="1" kern="100" dirty="0">
+              <a:endParaRPr lang="zh-CN" altLang="zh-CN" sz="2000" b="1" kern="100" dirty="0">
                 <a:solidFill>
                   <a:schemeClr val="bg1"/>
                 </a:solidFill>
@@ -9397,7 +9213,7 @@
                 <a:defRPr/>
               </a:pPr>
               <a:r>
-                <a:rPr lang="en-US" altLang="zh-CN" sz="2000" b="1" kern="100" dirty="0">
+                <a:rPr lang="en-US" altLang="zh-CN" sz="2000" b="1" kern="100" dirty="0" smtClean="0">
                   <a:solidFill>
                     <a:schemeClr val="bg1"/>
                   </a:solidFill>
@@ -9408,7 +9224,7 @@
                 <a:t>UML</a:t>
               </a:r>
               <a:r>
-                <a:rPr lang="zh-CN" altLang="en-US" sz="2000" b="1" kern="100" dirty="0">
+                <a:rPr lang="zh-CN" altLang="en-US" sz="2000" b="1" kern="100" dirty="0" smtClean="0">
                   <a:solidFill>
                     <a:schemeClr val="bg1"/>
                   </a:solidFill>
@@ -9416,9 +9232,9 @@
                   <a:ea typeface="微软雅黑" panose="020B0503020204020204" pitchFamily="34" charset="-122"/>
                   <a:cs typeface="Times New Roman" panose="02020603050405020304" pitchFamily="18" charset="0"/>
                 </a:rPr>
-                <a:t>的概念模型</a:t>
+                <a:t>的结构</a:t>
               </a:r>
-              <a:endParaRPr lang="zh-CN" altLang="en-US" sz="2000" b="1" kern="100" dirty="0">
+              <a:endParaRPr lang="zh-CN" altLang="zh-CN" sz="2000" b="1" kern="100" dirty="0">
                 <a:solidFill>
                   <a:schemeClr val="bg1"/>
                 </a:solidFill>
@@ -9430,6 +9246,1108 @@
           </p:txBody>
         </p:sp>
       </p:grpSp>
+      <p:grpSp>
+        <p:nvGrpSpPr>
+          <p:cNvPr id="40" name="组合 39"/>
+          <p:cNvGrpSpPr/>
+          <p:nvPr/>
+        </p:nvGrpSpPr>
+        <p:grpSpPr>
+          <a:xfrm>
+            <a:off x="6363498" y="4041322"/>
+            <a:ext cx="3744416" cy="511504"/>
+            <a:chOff x="6339097" y="4180903"/>
+            <a:chExt cx="3744416" cy="511504"/>
+          </a:xfrm>
+        </p:grpSpPr>
+        <p:sp>
+          <p:nvSpPr>
+            <p:cNvPr id="41" name="圆角矩形 40"/>
+            <p:cNvSpPr/>
+            <p:nvPr/>
+          </p:nvSpPr>
+          <p:spPr>
+            <a:xfrm>
+              <a:off x="6339097" y="4180903"/>
+              <a:ext cx="3744416" cy="511504"/>
+            </a:xfrm>
+            <a:prstGeom prst="roundRect">
+              <a:avLst/>
+            </a:prstGeom>
+            <a:solidFill>
+              <a:schemeClr val="accent1"/>
+            </a:solidFill>
+            <a:ln>
+              <a:noFill/>
+            </a:ln>
+            <a:effectLst>
+              <a:outerShdw blurRad="50800" dist="38100" dir="5400000" algn="t" rotWithShape="0">
+                <a:prstClr val="black">
+                  <a:alpha val="40000"/>
+                </a:prstClr>
+              </a:outerShdw>
+            </a:effectLst>
+          </p:spPr>
+          <p:style>
+            <a:lnRef idx="2">
+              <a:schemeClr val="accent1">
+                <a:shade val="50000"/>
+              </a:schemeClr>
+            </a:lnRef>
+            <a:fillRef idx="1">
+              <a:schemeClr val="accent1"/>
+            </a:fillRef>
+            <a:effectRef idx="0">
+              <a:schemeClr val="accent1"/>
+            </a:effectRef>
+            <a:fontRef idx="minor">
+              <a:schemeClr val="lt1"/>
+            </a:fontRef>
+          </p:style>
+          <p:txBody>
+            <a:bodyPr lIns="121960" tIns="60980" rIns="121960" bIns="60980" anchor="ctr"/>
+            <a:lstStyle/>
+            <a:p>
+              <a:pPr algn="ctr">
+                <a:defRPr/>
+              </a:pPr>
+              <a:endParaRPr lang="zh-CN" altLang="en-US" sz="3600" dirty="0">
+                <a:latin typeface="+mj-lt"/>
+                <a:ea typeface="Arial Unicode MS" panose="020B0604020202020204" pitchFamily="34" charset="-122"/>
+                <a:cs typeface="Arial Unicode MS" panose="020B0604020202020204" pitchFamily="34" charset="-122"/>
+              </a:endParaRPr>
+            </a:p>
+          </p:txBody>
+        </p:sp>
+        <p:sp>
+          <p:nvSpPr>
+            <p:cNvPr id="42" name="矩形 41"/>
+            <p:cNvSpPr/>
+            <p:nvPr/>
+          </p:nvSpPr>
+          <p:spPr>
+            <a:xfrm>
+              <a:off x="6682074" y="4221882"/>
+              <a:ext cx="2736304" cy="429260"/>
+            </a:xfrm>
+            <a:prstGeom prst="rect">
+              <a:avLst/>
+            </a:prstGeom>
+          </p:spPr>
+          <p:txBody>
+            <a:bodyPr wrap="square" lIns="121960" tIns="60980" rIns="121960" bIns="60980">
+              <a:spAutoFit/>
+            </a:bodyPr>
+            <a:lstStyle/>
+            <a:p>
+              <a:pPr>
+                <a:defRPr/>
+              </a:pPr>
+              <a:r>
+                <a:rPr lang="en-US" altLang="zh-CN" sz="2000" b="1" kern="100" dirty="0" smtClean="0">
+                  <a:solidFill>
+                    <a:schemeClr val="bg1"/>
+                  </a:solidFill>
+                  <a:latin typeface="微软雅黑" panose="020B0503020204020204" pitchFamily="34" charset="-122"/>
+                  <a:ea typeface="微软雅黑" panose="020B0503020204020204" pitchFamily="34" charset="-122"/>
+                  <a:cs typeface="Times New Roman" panose="02020603050405020304" pitchFamily="18" charset="0"/>
+                </a:rPr>
+                <a:t>UML</a:t>
+              </a:r>
+              <a:r>
+                <a:rPr lang="zh-CN" altLang="en-US" sz="2000" b="1" kern="100" dirty="0" smtClean="0">
+                  <a:solidFill>
+                    <a:schemeClr val="bg1"/>
+                  </a:solidFill>
+                  <a:latin typeface="微软雅黑" panose="020B0503020204020204" pitchFamily="34" charset="-122"/>
+                  <a:ea typeface="微软雅黑" panose="020B0503020204020204" pitchFamily="34" charset="-122"/>
+                  <a:cs typeface="Times New Roman" panose="02020603050405020304" pitchFamily="18" charset="0"/>
+                </a:rPr>
+                <a:t>的视图</a:t>
+              </a:r>
+              <a:endParaRPr lang="zh-CN" altLang="zh-CN" sz="2000" b="1" kern="100" dirty="0">
+                <a:solidFill>
+                  <a:schemeClr val="bg1"/>
+                </a:solidFill>
+                <a:latin typeface="微软雅黑" panose="020B0503020204020204" pitchFamily="34" charset="-122"/>
+                <a:ea typeface="微软雅黑" panose="020B0503020204020204" pitchFamily="34" charset="-122"/>
+                <a:cs typeface="Times New Roman" panose="02020603050405020304" pitchFamily="18" charset="0"/>
+              </a:endParaRPr>
+            </a:p>
+          </p:txBody>
+        </p:sp>
+      </p:grpSp>
+      <p:grpSp>
+        <p:nvGrpSpPr>
+          <p:cNvPr id="43" name="组合 42"/>
+          <p:cNvGrpSpPr/>
+          <p:nvPr/>
+        </p:nvGrpSpPr>
+        <p:grpSpPr>
+          <a:xfrm>
+            <a:off x="6363498" y="4740676"/>
+            <a:ext cx="3744416" cy="542247"/>
+            <a:chOff x="6329397" y="4108895"/>
+            <a:chExt cx="3744416" cy="542247"/>
+          </a:xfrm>
+        </p:grpSpPr>
+        <p:sp>
+          <p:nvSpPr>
+            <p:cNvPr id="44" name="圆角矩形 43"/>
+            <p:cNvSpPr/>
+            <p:nvPr/>
+          </p:nvSpPr>
+          <p:spPr>
+            <a:xfrm>
+              <a:off x="6329397" y="4108895"/>
+              <a:ext cx="3744416" cy="511504"/>
+            </a:xfrm>
+            <a:prstGeom prst="roundRect">
+              <a:avLst/>
+            </a:prstGeom>
+            <a:solidFill>
+              <a:schemeClr val="accent1"/>
+            </a:solidFill>
+            <a:ln>
+              <a:noFill/>
+            </a:ln>
+            <a:effectLst>
+              <a:outerShdw blurRad="50800" dist="38100" dir="5400000" algn="t" rotWithShape="0">
+                <a:prstClr val="black">
+                  <a:alpha val="40000"/>
+                </a:prstClr>
+              </a:outerShdw>
+            </a:effectLst>
+          </p:spPr>
+          <p:style>
+            <a:lnRef idx="2">
+              <a:schemeClr val="accent1">
+                <a:shade val="50000"/>
+              </a:schemeClr>
+            </a:lnRef>
+            <a:fillRef idx="1">
+              <a:schemeClr val="accent1"/>
+            </a:fillRef>
+            <a:effectRef idx="0">
+              <a:schemeClr val="accent1"/>
+            </a:effectRef>
+            <a:fontRef idx="minor">
+              <a:schemeClr val="lt1"/>
+            </a:fontRef>
+          </p:style>
+          <p:txBody>
+            <a:bodyPr lIns="121960" tIns="60980" rIns="121960" bIns="60980" anchor="ctr"/>
+            <a:lstStyle/>
+            <a:p>
+              <a:pPr algn="ctr">
+                <a:defRPr/>
+              </a:pPr>
+              <a:endParaRPr lang="zh-CN" altLang="en-US" sz="3600" dirty="0">
+                <a:latin typeface="+mj-lt"/>
+                <a:ea typeface="Arial Unicode MS" panose="020B0604020202020204" pitchFamily="34" charset="-122"/>
+                <a:cs typeface="Arial Unicode MS" panose="020B0604020202020204" pitchFamily="34" charset="-122"/>
+              </a:endParaRPr>
+            </a:p>
+          </p:txBody>
+        </p:sp>
+        <p:sp>
+          <p:nvSpPr>
+            <p:cNvPr id="45" name="矩形 44"/>
+            <p:cNvSpPr/>
+            <p:nvPr/>
+          </p:nvSpPr>
+          <p:spPr>
+            <a:xfrm>
+              <a:off x="6682074" y="4221882"/>
+              <a:ext cx="2736304" cy="429260"/>
+            </a:xfrm>
+            <a:prstGeom prst="rect">
+              <a:avLst/>
+            </a:prstGeom>
+          </p:spPr>
+          <p:txBody>
+            <a:bodyPr wrap="square" lIns="121960" tIns="60980" rIns="121960" bIns="60980">
+              <a:spAutoFit/>
+            </a:bodyPr>
+            <a:lstStyle/>
+            <a:p>
+              <a:pPr>
+                <a:defRPr/>
+              </a:pPr>
+              <a:r>
+                <a:rPr lang="en-US" altLang="zh-CN" sz="2000" b="1" kern="100" dirty="0" smtClean="0">
+                  <a:solidFill>
+                    <a:schemeClr val="bg1"/>
+                  </a:solidFill>
+                  <a:latin typeface="微软雅黑" panose="020B0503020204020204" pitchFamily="34" charset="-122"/>
+                  <a:ea typeface="微软雅黑" panose="020B0503020204020204" pitchFamily="34" charset="-122"/>
+                  <a:cs typeface="Times New Roman" panose="02020603050405020304" pitchFamily="18" charset="0"/>
+                </a:rPr>
+                <a:t>UML</a:t>
+              </a:r>
+              <a:r>
+                <a:rPr lang="zh-CN" altLang="en-US" sz="2000" b="1" kern="100" dirty="0" smtClean="0">
+                  <a:solidFill>
+                    <a:schemeClr val="bg1"/>
+                  </a:solidFill>
+                  <a:latin typeface="微软雅黑" panose="020B0503020204020204" pitchFamily="34" charset="-122"/>
+                  <a:ea typeface="微软雅黑" panose="020B0503020204020204" pitchFamily="34" charset="-122"/>
+                  <a:cs typeface="Times New Roman" panose="02020603050405020304" pitchFamily="18" charset="0"/>
+                </a:rPr>
+                <a:t>的图</a:t>
+              </a:r>
+              <a:endParaRPr lang="zh-CN" altLang="zh-CN" sz="2000" b="1" kern="100" dirty="0">
+                <a:solidFill>
+                  <a:schemeClr val="bg1"/>
+                </a:solidFill>
+                <a:latin typeface="微软雅黑" panose="020B0503020204020204" pitchFamily="34" charset="-122"/>
+                <a:ea typeface="微软雅黑" panose="020B0503020204020204" pitchFamily="34" charset="-122"/>
+                <a:cs typeface="Times New Roman" panose="02020603050405020304" pitchFamily="18" charset="0"/>
+              </a:endParaRPr>
+            </a:p>
+          </p:txBody>
+        </p:sp>
+      </p:grpSp>
+      <p:grpSp>
+        <p:nvGrpSpPr>
+          <p:cNvPr id="48" name="组合 47"/>
+          <p:cNvGrpSpPr/>
+          <p:nvPr/>
+        </p:nvGrpSpPr>
+        <p:grpSpPr>
+          <a:xfrm>
+            <a:off x="6373793" y="5462369"/>
+            <a:ext cx="3744416" cy="511504"/>
+            <a:chOff x="6339097" y="4180903"/>
+            <a:chExt cx="3744416" cy="511504"/>
+          </a:xfrm>
+        </p:grpSpPr>
+        <p:sp>
+          <p:nvSpPr>
+            <p:cNvPr id="49" name="圆角矩形 48"/>
+            <p:cNvSpPr/>
+            <p:nvPr/>
+          </p:nvSpPr>
+          <p:spPr>
+            <a:xfrm>
+              <a:off x="6339097" y="4180903"/>
+              <a:ext cx="3744416" cy="511504"/>
+            </a:xfrm>
+            <a:prstGeom prst="roundRect">
+              <a:avLst/>
+            </a:prstGeom>
+            <a:solidFill>
+              <a:schemeClr val="accent1"/>
+            </a:solidFill>
+            <a:ln>
+              <a:noFill/>
+            </a:ln>
+            <a:effectLst>
+              <a:outerShdw blurRad="50800" dist="38100" dir="5400000" algn="t" rotWithShape="0">
+                <a:prstClr val="black">
+                  <a:alpha val="40000"/>
+                </a:prstClr>
+              </a:outerShdw>
+            </a:effectLst>
+          </p:spPr>
+          <p:style>
+            <a:lnRef idx="2">
+              <a:schemeClr val="accent1">
+                <a:shade val="50000"/>
+              </a:schemeClr>
+            </a:lnRef>
+            <a:fillRef idx="1">
+              <a:schemeClr val="accent1"/>
+            </a:fillRef>
+            <a:effectRef idx="0">
+              <a:schemeClr val="accent1"/>
+            </a:effectRef>
+            <a:fontRef idx="minor">
+              <a:schemeClr val="lt1"/>
+            </a:fontRef>
+          </p:style>
+          <p:txBody>
+            <a:bodyPr lIns="121960" tIns="60980" rIns="121960" bIns="60980" anchor="ctr"/>
+            <a:lstStyle/>
+            <a:p>
+              <a:pPr algn="ctr">
+                <a:defRPr/>
+              </a:pPr>
+              <a:endParaRPr lang="zh-CN" altLang="en-US" sz="3600" dirty="0">
+                <a:latin typeface="+mj-lt"/>
+                <a:ea typeface="Arial Unicode MS" panose="020B0604020202020204" pitchFamily="34" charset="-122"/>
+                <a:cs typeface="Arial Unicode MS" panose="020B0604020202020204" pitchFamily="34" charset="-122"/>
+              </a:endParaRPr>
+            </a:p>
+          </p:txBody>
+        </p:sp>
+        <p:sp>
+          <p:nvSpPr>
+            <p:cNvPr id="50" name="矩形 49"/>
+            <p:cNvSpPr/>
+            <p:nvPr/>
+          </p:nvSpPr>
+          <p:spPr>
+            <a:xfrm>
+              <a:off x="6682074" y="4221882"/>
+              <a:ext cx="2736304" cy="429260"/>
+            </a:xfrm>
+            <a:prstGeom prst="rect">
+              <a:avLst/>
+            </a:prstGeom>
+          </p:spPr>
+          <p:txBody>
+            <a:bodyPr wrap="square" lIns="121960" tIns="60980" rIns="121960" bIns="60980">
+              <a:spAutoFit/>
+            </a:bodyPr>
+            <a:lstStyle/>
+            <a:p>
+              <a:pPr>
+                <a:defRPr/>
+              </a:pPr>
+              <a:r>
+                <a:rPr lang="en-US" altLang="zh-CN" sz="2000" b="1" kern="100" dirty="0" smtClean="0">
+                  <a:solidFill>
+                    <a:schemeClr val="bg1"/>
+                  </a:solidFill>
+                  <a:latin typeface="微软雅黑" panose="020B0503020204020204" pitchFamily="34" charset="-122"/>
+                  <a:ea typeface="微软雅黑" panose="020B0503020204020204" pitchFamily="34" charset="-122"/>
+                  <a:cs typeface="Times New Roman" panose="02020603050405020304" pitchFamily="18" charset="0"/>
+                </a:rPr>
+                <a:t>UML2.0</a:t>
+              </a:r>
+              <a:r>
+                <a:rPr lang="zh-CN" altLang="en-US" sz="2000" b="1" kern="100" dirty="0" smtClean="0">
+                  <a:solidFill>
+                    <a:schemeClr val="bg1"/>
+                  </a:solidFill>
+                  <a:latin typeface="微软雅黑" panose="020B0503020204020204" pitchFamily="34" charset="-122"/>
+                  <a:ea typeface="微软雅黑" panose="020B0503020204020204" pitchFamily="34" charset="-122"/>
+                  <a:cs typeface="Times New Roman" panose="02020603050405020304" pitchFamily="18" charset="0"/>
+                </a:rPr>
+                <a:t>的新特征</a:t>
+              </a:r>
+              <a:endParaRPr lang="zh-CN" altLang="zh-CN" sz="2000" b="1" kern="100" dirty="0">
+                <a:solidFill>
+                  <a:schemeClr val="bg1"/>
+                </a:solidFill>
+                <a:latin typeface="微软雅黑" panose="020B0503020204020204" pitchFamily="34" charset="-122"/>
+                <a:ea typeface="微软雅黑" panose="020B0503020204020204" pitchFamily="34" charset="-122"/>
+                <a:cs typeface="Times New Roman" panose="02020603050405020304" pitchFamily="18" charset="0"/>
+              </a:endParaRPr>
+            </a:p>
+          </p:txBody>
+        </p:sp>
+      </p:grpSp>
+      <p:grpSp>
+        <p:nvGrpSpPr>
+          <p:cNvPr id="51" name="组合 50"/>
+          <p:cNvGrpSpPr/>
+          <p:nvPr/>
+        </p:nvGrpSpPr>
+        <p:grpSpPr>
+          <a:xfrm>
+            <a:off x="6365114" y="6166098"/>
+            <a:ext cx="3744416" cy="511504"/>
+            <a:chOff x="6339097" y="4180903"/>
+            <a:chExt cx="3744416" cy="511504"/>
+          </a:xfrm>
+        </p:grpSpPr>
+        <p:sp>
+          <p:nvSpPr>
+            <p:cNvPr id="52" name="圆角矩形 51"/>
+            <p:cNvSpPr/>
+            <p:nvPr/>
+          </p:nvSpPr>
+          <p:spPr>
+            <a:xfrm>
+              <a:off x="6339097" y="4180903"/>
+              <a:ext cx="3744416" cy="511504"/>
+            </a:xfrm>
+            <a:prstGeom prst="roundRect">
+              <a:avLst/>
+            </a:prstGeom>
+            <a:solidFill>
+              <a:schemeClr val="accent1"/>
+            </a:solidFill>
+            <a:ln>
+              <a:noFill/>
+            </a:ln>
+            <a:effectLst>
+              <a:outerShdw blurRad="50800" dist="38100" dir="5400000" algn="t" rotWithShape="0">
+                <a:prstClr val="black">
+                  <a:alpha val="40000"/>
+                </a:prstClr>
+              </a:outerShdw>
+            </a:effectLst>
+          </p:spPr>
+          <p:style>
+            <a:lnRef idx="2">
+              <a:schemeClr val="accent1">
+                <a:shade val="50000"/>
+              </a:schemeClr>
+            </a:lnRef>
+            <a:fillRef idx="1">
+              <a:schemeClr val="accent1"/>
+            </a:fillRef>
+            <a:effectRef idx="0">
+              <a:schemeClr val="accent1"/>
+            </a:effectRef>
+            <a:fontRef idx="minor">
+              <a:schemeClr val="lt1"/>
+            </a:fontRef>
+          </p:style>
+          <p:txBody>
+            <a:bodyPr lIns="121960" tIns="60980" rIns="121960" bIns="60980" anchor="ctr"/>
+            <a:lstStyle/>
+            <a:p>
+              <a:pPr algn="ctr">
+                <a:defRPr/>
+              </a:pPr>
+              <a:endParaRPr lang="zh-CN" altLang="en-US" sz="3600" dirty="0">
+                <a:latin typeface="+mj-lt"/>
+                <a:ea typeface="Arial Unicode MS" panose="020B0604020202020204" pitchFamily="34" charset="-122"/>
+                <a:cs typeface="Arial Unicode MS" panose="020B0604020202020204" pitchFamily="34" charset="-122"/>
+              </a:endParaRPr>
+            </a:p>
+          </p:txBody>
+        </p:sp>
+        <p:sp>
+          <p:nvSpPr>
+            <p:cNvPr id="53" name="矩形 52"/>
+            <p:cNvSpPr/>
+            <p:nvPr/>
+          </p:nvSpPr>
+          <p:spPr>
+            <a:xfrm>
+              <a:off x="6682074" y="4221882"/>
+              <a:ext cx="2736304" cy="429260"/>
+            </a:xfrm>
+            <a:prstGeom prst="rect">
+              <a:avLst/>
+            </a:prstGeom>
+          </p:spPr>
+          <p:txBody>
+            <a:bodyPr wrap="square" lIns="121960" tIns="60980" rIns="121960" bIns="60980">
+              <a:spAutoFit/>
+            </a:bodyPr>
+            <a:lstStyle/>
+            <a:p>
+              <a:pPr>
+                <a:defRPr/>
+              </a:pPr>
+              <a:r>
+                <a:rPr lang="zh-CN" altLang="en-US" sz="2000" b="1" kern="100" dirty="0" smtClean="0">
+                  <a:solidFill>
+                    <a:schemeClr val="bg1"/>
+                  </a:solidFill>
+                  <a:latin typeface="微软雅黑" panose="020B0503020204020204" pitchFamily="34" charset="-122"/>
+                  <a:ea typeface="微软雅黑" panose="020B0503020204020204" pitchFamily="34" charset="-122"/>
+                  <a:cs typeface="Times New Roman" panose="02020603050405020304" pitchFamily="18" charset="0"/>
+                </a:rPr>
+                <a:t>系统开发阶段</a:t>
+              </a:r>
+              <a:endParaRPr lang="zh-CN" altLang="zh-CN" sz="2000" b="1" kern="100" dirty="0">
+                <a:solidFill>
+                  <a:schemeClr val="bg1"/>
+                </a:solidFill>
+                <a:latin typeface="微软雅黑" panose="020B0503020204020204" pitchFamily="34" charset="-122"/>
+                <a:ea typeface="微软雅黑" panose="020B0503020204020204" pitchFamily="34" charset="-122"/>
+                <a:cs typeface="Times New Roman" panose="02020603050405020304" pitchFamily="18" charset="0"/>
+              </a:endParaRPr>
+            </a:p>
+          </p:txBody>
+        </p:sp>
+      </p:grpSp>
+      <p:grpSp>
+        <p:nvGrpSpPr>
+          <p:cNvPr id="54" name="组合 53"/>
+          <p:cNvGrpSpPr/>
+          <p:nvPr/>
+        </p:nvGrpSpPr>
+        <p:grpSpPr>
+          <a:xfrm>
+            <a:off x="5087094" y="117426"/>
+            <a:ext cx="3744416" cy="511504"/>
+            <a:chOff x="6315199" y="2492728"/>
+            <a:chExt cx="3744416" cy="511504"/>
+          </a:xfrm>
+        </p:grpSpPr>
+        <p:sp>
+          <p:nvSpPr>
+            <p:cNvPr id="55" name="圆角矩形 54"/>
+            <p:cNvSpPr/>
+            <p:nvPr/>
+          </p:nvSpPr>
+          <p:spPr>
+            <a:xfrm>
+              <a:off x="6315199" y="2492728"/>
+              <a:ext cx="3744416" cy="511504"/>
+            </a:xfrm>
+            <a:prstGeom prst="roundRect">
+              <a:avLst/>
+            </a:prstGeom>
+            <a:solidFill>
+              <a:schemeClr val="accent1"/>
+            </a:solidFill>
+            <a:ln>
+              <a:noFill/>
+            </a:ln>
+            <a:effectLst>
+              <a:outerShdw blurRad="50800" dist="38100" dir="5400000" algn="t" rotWithShape="0">
+                <a:prstClr val="black">
+                  <a:alpha val="40000"/>
+                </a:prstClr>
+              </a:outerShdw>
+            </a:effectLst>
+          </p:spPr>
+          <p:style>
+            <a:lnRef idx="2">
+              <a:schemeClr val="accent1">
+                <a:shade val="50000"/>
+              </a:schemeClr>
+            </a:lnRef>
+            <a:fillRef idx="1">
+              <a:schemeClr val="accent1"/>
+            </a:fillRef>
+            <a:effectRef idx="0">
+              <a:schemeClr val="accent1"/>
+            </a:effectRef>
+            <a:fontRef idx="minor">
+              <a:schemeClr val="lt1"/>
+            </a:fontRef>
+          </p:style>
+          <p:txBody>
+            <a:bodyPr lIns="121960" tIns="60980" rIns="121960" bIns="60980" anchor="ctr"/>
+            <a:lstStyle/>
+            <a:p>
+              <a:pPr algn="ctr">
+                <a:defRPr/>
+              </a:pPr>
+              <a:endParaRPr lang="zh-CN" altLang="en-US" sz="3600" dirty="0">
+                <a:latin typeface="+mj-lt"/>
+                <a:ea typeface="Arial Unicode MS" panose="020B0604020202020204" pitchFamily="34" charset="-122"/>
+                <a:cs typeface="Arial Unicode MS" panose="020B0604020202020204" pitchFamily="34" charset="-122"/>
+              </a:endParaRPr>
+            </a:p>
+          </p:txBody>
+        </p:sp>
+        <p:sp>
+          <p:nvSpPr>
+            <p:cNvPr id="56" name="矩形 55"/>
+            <p:cNvSpPr/>
+            <p:nvPr/>
+          </p:nvSpPr>
+          <p:spPr>
+            <a:xfrm>
+              <a:off x="6681843" y="2493011"/>
+              <a:ext cx="2653074" cy="429260"/>
+            </a:xfrm>
+            <a:prstGeom prst="rect">
+              <a:avLst/>
+            </a:prstGeom>
+          </p:spPr>
+          <p:txBody>
+            <a:bodyPr wrap="square" lIns="121960" tIns="60980" rIns="121960" bIns="60980">
+              <a:spAutoFit/>
+            </a:bodyPr>
+            <a:lstStyle/>
+            <a:p>
+              <a:pPr algn="ctr">
+                <a:defRPr/>
+              </a:pPr>
+              <a:r>
+                <a:rPr lang="zh-CN" altLang="en-US" sz="2000" b="1" kern="100" dirty="0">
+                  <a:solidFill>
+                    <a:schemeClr val="bg1"/>
+                  </a:solidFill>
+                  <a:latin typeface="微软雅黑" panose="020B0503020204020204" pitchFamily="34" charset="-122"/>
+                  <a:ea typeface="微软雅黑" panose="020B0503020204020204" pitchFamily="34" charset="-122"/>
+                  <a:cs typeface="Times New Roman" panose="02020603050405020304" pitchFamily="18" charset="0"/>
+                </a:rPr>
+                <a:t>目录</a:t>
+              </a:r>
+              <a:endParaRPr lang="zh-CN" altLang="zh-CN" sz="2000" b="1" kern="100" dirty="0">
+                <a:solidFill>
+                  <a:schemeClr val="bg1"/>
+                </a:solidFill>
+                <a:latin typeface="微软雅黑" panose="020B0503020204020204" pitchFamily="34" charset="-122"/>
+                <a:ea typeface="微软雅黑" panose="020B0503020204020204" pitchFamily="34" charset="-122"/>
+                <a:cs typeface="Times New Roman" panose="02020603050405020304" pitchFamily="18" charset="0"/>
+              </a:endParaRPr>
+            </a:p>
+          </p:txBody>
+        </p:sp>
+      </p:grpSp>
+      <p:sp>
+        <p:nvSpPr>
+          <p:cNvPr id="57" name="圆角矩形 56"/>
+          <p:cNvSpPr/>
+          <p:nvPr/>
+        </p:nvSpPr>
+        <p:spPr>
+          <a:xfrm>
+            <a:off x="5164674" y="1728632"/>
+            <a:ext cx="801956" cy="511504"/>
+          </a:xfrm>
+          <a:prstGeom prst="roundRect">
+            <a:avLst/>
+          </a:prstGeom>
+          <a:solidFill>
+            <a:schemeClr val="accent1"/>
+          </a:solidFill>
+          <a:ln>
+            <a:noFill/>
+          </a:ln>
+          <a:effectLst>
+            <a:outerShdw blurRad="50800" dist="38100" dir="5400000" algn="t" rotWithShape="0">
+              <a:prstClr val="black">
+                <a:alpha val="40000"/>
+              </a:prstClr>
+            </a:outerShdw>
+          </a:effectLst>
+        </p:spPr>
+        <p:style>
+          <a:lnRef idx="2">
+            <a:schemeClr val="accent1">
+              <a:shade val="50000"/>
+            </a:schemeClr>
+          </a:lnRef>
+          <a:fillRef idx="1">
+            <a:schemeClr val="accent1"/>
+          </a:fillRef>
+          <a:effectRef idx="0">
+            <a:schemeClr val="accent1"/>
+          </a:effectRef>
+          <a:fontRef idx="minor">
+            <a:schemeClr val="lt1"/>
+          </a:fontRef>
+        </p:style>
+        <p:txBody>
+          <a:bodyPr lIns="121960" tIns="60980" rIns="121960" bIns="60980" anchor="ctr"/>
+          <a:lstStyle/>
+          <a:p>
+            <a:pPr algn="ctr">
+              <a:defRPr/>
+            </a:pPr>
+            <a:r>
+              <a:rPr lang="en-US" altLang="zh-CN" sz="2400" dirty="0" smtClean="0">
+                <a:latin typeface="+mj-lt"/>
+                <a:ea typeface="Arial Unicode MS" panose="020B0604020202020204" pitchFamily="34" charset="-122"/>
+                <a:cs typeface="Arial Unicode MS" panose="020B0604020202020204" pitchFamily="34" charset="-122"/>
+              </a:rPr>
+              <a:t>1.2</a:t>
+            </a:r>
+            <a:endParaRPr lang="zh-CN" altLang="en-US" sz="3200" dirty="0">
+              <a:latin typeface="+mj-lt"/>
+              <a:ea typeface="Arial Unicode MS" panose="020B0604020202020204" pitchFamily="34" charset="-122"/>
+              <a:cs typeface="Arial Unicode MS" panose="020B0604020202020204" pitchFamily="34" charset="-122"/>
+            </a:endParaRPr>
+          </a:p>
+        </p:txBody>
+      </p:sp>
+      <p:sp>
+        <p:nvSpPr>
+          <p:cNvPr id="59" name="圆角矩形 58"/>
+          <p:cNvSpPr/>
+          <p:nvPr/>
+        </p:nvSpPr>
+        <p:spPr>
+          <a:xfrm>
+            <a:off x="5191713" y="2521954"/>
+            <a:ext cx="801956" cy="511504"/>
+          </a:xfrm>
+          <a:prstGeom prst="roundRect">
+            <a:avLst/>
+          </a:prstGeom>
+          <a:solidFill>
+            <a:schemeClr val="accent1"/>
+          </a:solidFill>
+          <a:ln>
+            <a:noFill/>
+          </a:ln>
+          <a:effectLst>
+            <a:outerShdw blurRad="50800" dist="38100" dir="5400000" algn="t" rotWithShape="0">
+              <a:prstClr val="black">
+                <a:alpha val="40000"/>
+              </a:prstClr>
+            </a:outerShdw>
+          </a:effectLst>
+        </p:spPr>
+        <p:style>
+          <a:lnRef idx="2">
+            <a:schemeClr val="accent1">
+              <a:shade val="50000"/>
+            </a:schemeClr>
+          </a:lnRef>
+          <a:fillRef idx="1">
+            <a:schemeClr val="accent1"/>
+          </a:fillRef>
+          <a:effectRef idx="0">
+            <a:schemeClr val="accent1"/>
+          </a:effectRef>
+          <a:fontRef idx="minor">
+            <a:schemeClr val="lt1"/>
+          </a:fontRef>
+        </p:style>
+        <p:txBody>
+          <a:bodyPr lIns="121960" tIns="60980" rIns="121960" bIns="60980" anchor="ctr"/>
+          <a:lstStyle/>
+          <a:p>
+            <a:pPr algn="ctr">
+              <a:defRPr/>
+            </a:pPr>
+            <a:r>
+              <a:rPr lang="en-US" altLang="zh-CN" sz="2400" dirty="0" smtClean="0">
+                <a:latin typeface="+mj-lt"/>
+                <a:ea typeface="Arial Unicode MS" panose="020B0604020202020204" pitchFamily="34" charset="-122"/>
+                <a:cs typeface="Arial Unicode MS" panose="020B0604020202020204" pitchFamily="34" charset="-122"/>
+              </a:rPr>
+              <a:t>1.3</a:t>
+            </a:r>
+            <a:endParaRPr lang="zh-CN" altLang="en-US" sz="3200" dirty="0">
+              <a:latin typeface="+mj-lt"/>
+              <a:ea typeface="Arial Unicode MS" panose="020B0604020202020204" pitchFamily="34" charset="-122"/>
+              <a:cs typeface="Arial Unicode MS" panose="020B0604020202020204" pitchFamily="34" charset="-122"/>
+            </a:endParaRPr>
+          </a:p>
+        </p:txBody>
+      </p:sp>
+      <p:sp>
+        <p:nvSpPr>
+          <p:cNvPr id="60" name="圆角矩形 59"/>
+          <p:cNvSpPr/>
+          <p:nvPr/>
+        </p:nvSpPr>
+        <p:spPr>
+          <a:xfrm>
+            <a:off x="5191713" y="3370526"/>
+            <a:ext cx="801956" cy="511504"/>
+          </a:xfrm>
+          <a:prstGeom prst="roundRect">
+            <a:avLst/>
+          </a:prstGeom>
+          <a:solidFill>
+            <a:schemeClr val="accent1"/>
+          </a:solidFill>
+          <a:ln>
+            <a:noFill/>
+          </a:ln>
+          <a:effectLst>
+            <a:outerShdw blurRad="50800" dist="38100" dir="5400000" algn="t" rotWithShape="0">
+              <a:prstClr val="black">
+                <a:alpha val="40000"/>
+              </a:prstClr>
+            </a:outerShdw>
+          </a:effectLst>
+        </p:spPr>
+        <p:style>
+          <a:lnRef idx="2">
+            <a:schemeClr val="accent1">
+              <a:shade val="50000"/>
+            </a:schemeClr>
+          </a:lnRef>
+          <a:fillRef idx="1">
+            <a:schemeClr val="accent1"/>
+          </a:fillRef>
+          <a:effectRef idx="0">
+            <a:schemeClr val="accent1"/>
+          </a:effectRef>
+          <a:fontRef idx="minor">
+            <a:schemeClr val="lt1"/>
+          </a:fontRef>
+        </p:style>
+        <p:txBody>
+          <a:bodyPr lIns="121960" tIns="60980" rIns="121960" bIns="60980" anchor="ctr"/>
+          <a:lstStyle/>
+          <a:p>
+            <a:pPr algn="ctr">
+              <a:defRPr/>
+            </a:pPr>
+            <a:r>
+              <a:rPr lang="en-US" altLang="zh-CN" sz="2400" dirty="0" smtClean="0">
+                <a:latin typeface="+mj-lt"/>
+                <a:ea typeface="Arial Unicode MS" panose="020B0604020202020204" pitchFamily="34" charset="-122"/>
+                <a:cs typeface="Arial Unicode MS" panose="020B0604020202020204" pitchFamily="34" charset="-122"/>
+              </a:rPr>
+              <a:t>1.4</a:t>
+            </a:r>
+            <a:endParaRPr lang="zh-CN" altLang="en-US" sz="3200" dirty="0">
+              <a:latin typeface="+mj-lt"/>
+              <a:ea typeface="Arial Unicode MS" panose="020B0604020202020204" pitchFamily="34" charset="-122"/>
+              <a:cs typeface="Arial Unicode MS" panose="020B0604020202020204" pitchFamily="34" charset="-122"/>
+            </a:endParaRPr>
+          </a:p>
+        </p:txBody>
+      </p:sp>
+      <p:sp>
+        <p:nvSpPr>
+          <p:cNvPr id="61" name="圆角矩形 60"/>
+          <p:cNvSpPr/>
+          <p:nvPr/>
+        </p:nvSpPr>
+        <p:spPr>
+          <a:xfrm>
+            <a:off x="5191713" y="4074193"/>
+            <a:ext cx="801956" cy="511504"/>
+          </a:xfrm>
+          <a:prstGeom prst="roundRect">
+            <a:avLst/>
+          </a:prstGeom>
+          <a:solidFill>
+            <a:schemeClr val="accent1"/>
+          </a:solidFill>
+          <a:ln>
+            <a:noFill/>
+          </a:ln>
+          <a:effectLst>
+            <a:outerShdw blurRad="50800" dist="38100" dir="5400000" algn="t" rotWithShape="0">
+              <a:prstClr val="black">
+                <a:alpha val="40000"/>
+              </a:prstClr>
+            </a:outerShdw>
+          </a:effectLst>
+        </p:spPr>
+        <p:style>
+          <a:lnRef idx="2">
+            <a:schemeClr val="accent1">
+              <a:shade val="50000"/>
+            </a:schemeClr>
+          </a:lnRef>
+          <a:fillRef idx="1">
+            <a:schemeClr val="accent1"/>
+          </a:fillRef>
+          <a:effectRef idx="0">
+            <a:schemeClr val="accent1"/>
+          </a:effectRef>
+          <a:fontRef idx="minor">
+            <a:schemeClr val="lt1"/>
+          </a:fontRef>
+        </p:style>
+        <p:txBody>
+          <a:bodyPr lIns="121960" tIns="60980" rIns="121960" bIns="60980" anchor="ctr"/>
+          <a:lstStyle/>
+          <a:p>
+            <a:pPr algn="ctr">
+              <a:defRPr/>
+            </a:pPr>
+            <a:r>
+              <a:rPr lang="en-US" altLang="zh-CN" sz="2400" dirty="0" smtClean="0">
+                <a:latin typeface="+mj-lt"/>
+                <a:ea typeface="Arial Unicode MS" panose="020B0604020202020204" pitchFamily="34" charset="-122"/>
+                <a:cs typeface="Arial Unicode MS" panose="020B0604020202020204" pitchFamily="34" charset="-122"/>
+              </a:rPr>
+              <a:t>1.5</a:t>
+            </a:r>
+            <a:endParaRPr lang="zh-CN" altLang="en-US" sz="3200" dirty="0">
+              <a:latin typeface="+mj-lt"/>
+              <a:ea typeface="Arial Unicode MS" panose="020B0604020202020204" pitchFamily="34" charset="-122"/>
+              <a:cs typeface="Arial Unicode MS" panose="020B0604020202020204" pitchFamily="34" charset="-122"/>
+            </a:endParaRPr>
+          </a:p>
+        </p:txBody>
+      </p:sp>
+      <p:sp>
+        <p:nvSpPr>
+          <p:cNvPr id="62" name="圆角矩形 61"/>
+          <p:cNvSpPr/>
+          <p:nvPr/>
+        </p:nvSpPr>
+        <p:spPr>
+          <a:xfrm>
+            <a:off x="5203832" y="4762902"/>
+            <a:ext cx="801956" cy="511504"/>
+          </a:xfrm>
+          <a:prstGeom prst="roundRect">
+            <a:avLst/>
+          </a:prstGeom>
+          <a:solidFill>
+            <a:schemeClr val="accent1"/>
+          </a:solidFill>
+          <a:ln>
+            <a:noFill/>
+          </a:ln>
+          <a:effectLst>
+            <a:outerShdw blurRad="50800" dist="38100" dir="5400000" algn="t" rotWithShape="0">
+              <a:prstClr val="black">
+                <a:alpha val="40000"/>
+              </a:prstClr>
+            </a:outerShdw>
+          </a:effectLst>
+        </p:spPr>
+        <p:style>
+          <a:lnRef idx="2">
+            <a:schemeClr val="accent1">
+              <a:shade val="50000"/>
+            </a:schemeClr>
+          </a:lnRef>
+          <a:fillRef idx="1">
+            <a:schemeClr val="accent1"/>
+          </a:fillRef>
+          <a:effectRef idx="0">
+            <a:schemeClr val="accent1"/>
+          </a:effectRef>
+          <a:fontRef idx="minor">
+            <a:schemeClr val="lt1"/>
+          </a:fontRef>
+        </p:style>
+        <p:txBody>
+          <a:bodyPr lIns="121960" tIns="60980" rIns="121960" bIns="60980" anchor="ctr"/>
+          <a:lstStyle/>
+          <a:p>
+            <a:pPr algn="ctr">
+              <a:defRPr/>
+            </a:pPr>
+            <a:r>
+              <a:rPr lang="en-US" altLang="zh-CN" sz="2400" dirty="0" smtClean="0">
+                <a:latin typeface="+mj-lt"/>
+                <a:ea typeface="Arial Unicode MS" panose="020B0604020202020204" pitchFamily="34" charset="-122"/>
+                <a:cs typeface="Arial Unicode MS" panose="020B0604020202020204" pitchFamily="34" charset="-122"/>
+              </a:rPr>
+              <a:t>1.6</a:t>
+            </a:r>
+            <a:endParaRPr lang="zh-CN" altLang="en-US" sz="3200" dirty="0">
+              <a:latin typeface="+mj-lt"/>
+              <a:ea typeface="Arial Unicode MS" panose="020B0604020202020204" pitchFamily="34" charset="-122"/>
+              <a:cs typeface="Arial Unicode MS" panose="020B0604020202020204" pitchFamily="34" charset="-122"/>
+            </a:endParaRPr>
+          </a:p>
+        </p:txBody>
+      </p:sp>
+      <p:sp>
+        <p:nvSpPr>
+          <p:cNvPr id="63" name="圆角矩形 62"/>
+          <p:cNvSpPr/>
+          <p:nvPr/>
+        </p:nvSpPr>
+        <p:spPr>
+          <a:xfrm>
+            <a:off x="5191713" y="5503348"/>
+            <a:ext cx="801956" cy="511504"/>
+          </a:xfrm>
+          <a:prstGeom prst="roundRect">
+            <a:avLst/>
+          </a:prstGeom>
+          <a:solidFill>
+            <a:schemeClr val="accent1"/>
+          </a:solidFill>
+          <a:ln>
+            <a:noFill/>
+          </a:ln>
+          <a:effectLst>
+            <a:outerShdw blurRad="50800" dist="38100" dir="5400000" algn="t" rotWithShape="0">
+              <a:prstClr val="black">
+                <a:alpha val="40000"/>
+              </a:prstClr>
+            </a:outerShdw>
+          </a:effectLst>
+        </p:spPr>
+        <p:style>
+          <a:lnRef idx="2">
+            <a:schemeClr val="accent1">
+              <a:shade val="50000"/>
+            </a:schemeClr>
+          </a:lnRef>
+          <a:fillRef idx="1">
+            <a:schemeClr val="accent1"/>
+          </a:fillRef>
+          <a:effectRef idx="0">
+            <a:schemeClr val="accent1"/>
+          </a:effectRef>
+          <a:fontRef idx="minor">
+            <a:schemeClr val="lt1"/>
+          </a:fontRef>
+        </p:style>
+        <p:txBody>
+          <a:bodyPr lIns="121960" tIns="60980" rIns="121960" bIns="60980" anchor="ctr"/>
+          <a:lstStyle/>
+          <a:p>
+            <a:pPr algn="ctr">
+              <a:defRPr/>
+            </a:pPr>
+            <a:r>
+              <a:rPr lang="en-US" altLang="zh-CN" sz="2400" dirty="0" smtClean="0">
+                <a:latin typeface="+mj-lt"/>
+                <a:ea typeface="Arial Unicode MS" panose="020B0604020202020204" pitchFamily="34" charset="-122"/>
+                <a:cs typeface="Arial Unicode MS" panose="020B0604020202020204" pitchFamily="34" charset="-122"/>
+              </a:rPr>
+              <a:t>1.7</a:t>
+            </a:r>
+            <a:endParaRPr lang="zh-CN" altLang="en-US" sz="3200" dirty="0">
+              <a:latin typeface="+mj-lt"/>
+              <a:ea typeface="Arial Unicode MS" panose="020B0604020202020204" pitchFamily="34" charset="-122"/>
+              <a:cs typeface="Arial Unicode MS" panose="020B0604020202020204" pitchFamily="34" charset="-122"/>
+            </a:endParaRPr>
+          </a:p>
+        </p:txBody>
+      </p:sp>
+      <p:sp>
+        <p:nvSpPr>
+          <p:cNvPr id="64" name="圆角矩形 63"/>
+          <p:cNvSpPr/>
+          <p:nvPr/>
+        </p:nvSpPr>
+        <p:spPr>
+          <a:xfrm>
+            <a:off x="5191713" y="6207077"/>
+            <a:ext cx="801956" cy="511504"/>
+          </a:xfrm>
+          <a:prstGeom prst="roundRect">
+            <a:avLst/>
+          </a:prstGeom>
+          <a:solidFill>
+            <a:schemeClr val="accent1"/>
+          </a:solidFill>
+          <a:ln>
+            <a:noFill/>
+          </a:ln>
+          <a:effectLst>
+            <a:outerShdw blurRad="50800" dist="38100" dir="5400000" algn="t" rotWithShape="0">
+              <a:prstClr val="black">
+                <a:alpha val="40000"/>
+              </a:prstClr>
+            </a:outerShdw>
+          </a:effectLst>
+        </p:spPr>
+        <p:style>
+          <a:lnRef idx="2">
+            <a:schemeClr val="accent1">
+              <a:shade val="50000"/>
+            </a:schemeClr>
+          </a:lnRef>
+          <a:fillRef idx="1">
+            <a:schemeClr val="accent1"/>
+          </a:fillRef>
+          <a:effectRef idx="0">
+            <a:schemeClr val="accent1"/>
+          </a:effectRef>
+          <a:fontRef idx="minor">
+            <a:schemeClr val="lt1"/>
+          </a:fontRef>
+        </p:style>
+        <p:txBody>
+          <a:bodyPr lIns="121960" tIns="60980" rIns="121960" bIns="60980" anchor="ctr"/>
+          <a:lstStyle/>
+          <a:p>
+            <a:pPr algn="ctr">
+              <a:defRPr/>
+            </a:pPr>
+            <a:r>
+              <a:rPr lang="en-US" altLang="zh-CN" sz="2400" dirty="0" smtClean="0">
+                <a:latin typeface="+mj-lt"/>
+                <a:ea typeface="Arial Unicode MS" panose="020B0604020202020204" pitchFamily="34" charset="-122"/>
+                <a:cs typeface="Arial Unicode MS" panose="020B0604020202020204" pitchFamily="34" charset="-122"/>
+              </a:rPr>
+              <a:t>1.8</a:t>
+            </a:r>
+            <a:endParaRPr lang="zh-CN" altLang="en-US" sz="3200" dirty="0">
+              <a:latin typeface="+mj-lt"/>
+              <a:ea typeface="Arial Unicode MS" panose="020B0604020202020204" pitchFamily="34" charset="-122"/>
+              <a:cs typeface="Arial Unicode MS" panose="020B0604020202020204" pitchFamily="34" charset="-122"/>
+            </a:endParaRPr>
+          </a:p>
+        </p:txBody>
+      </p:sp>
     </p:spTree>
   </p:cSld>
   <p:clrMapOvr>
@@ -9680,7 +10598,7 @@
                         <p:par>
                           <p:cTn id="16" fill="hold">
                             <p:stCondLst>
-                              <p:cond delay="850"/>
+                              <p:cond delay="1149"/>
                             </p:stCondLst>
                             <p:childTnLst>
                               <p:par>
@@ -9741,71 +10659,14 @@
                                 </p:cTn>
                               </p:par>
                               <p:par>
-                                <p:cTn id="22" presetID="10" presetClass="entr" presetSubtype="0" fill="hold" grpId="0" nodeType="withEffect">
-                                  <p:stCondLst>
-                                    <p:cond delay="250"/>
-                                  </p:stCondLst>
-                                  <p:childTnLst>
-                                    <p:set>
-                                      <p:cBhvr>
-                                        <p:cTn id="23" dur="1" fill="hold">
-                                          <p:stCondLst>
-                                            <p:cond delay="0"/>
-                                          </p:stCondLst>
-                                        </p:cTn>
-                                        <p:tgtEl>
-                                          <p:spTgt spid="20"/>
-                                        </p:tgtEl>
-                                        <p:attrNameLst>
-                                          <p:attrName>style.visibility</p:attrName>
-                                        </p:attrNameLst>
-                                      </p:cBhvr>
-                                      <p:to>
-                                        <p:strVal val="visible"/>
-                                      </p:to>
-                                    </p:set>
-                                    <p:animEffect transition="in" filter="fade">
-                                      <p:cBhvr>
-                                        <p:cTn id="24" dur="1000"/>
-                                        <p:tgtEl>
-                                          <p:spTgt spid="20"/>
-                                        </p:tgtEl>
-                                      </p:cBhvr>
-                                    </p:animEffect>
-                                  </p:childTnLst>
-                                </p:cTn>
-                              </p:par>
-                              <p:par>
-                                <p:cTn id="25" presetID="56" presetClass="path" presetSubtype="0" accel="50000" decel="50000" fill="hold" grpId="1" nodeType="withEffect">
-                                  <p:stCondLst>
-                                    <p:cond delay="250"/>
-                                  </p:stCondLst>
-                                  <p:childTnLst>
-                                    <p:animMotion origin="layout" path="M -0.03737 0.0412 L -6.25E-7 2.96296E-6 " pathEditMode="relative" rAng="0" ptsTypes="AA">
-                                      <p:cBhvr>
-                                        <p:cTn id="26" dur="700" fill="hold"/>
-                                        <p:tgtEl>
-                                          <p:spTgt spid="20"/>
-                                        </p:tgtEl>
-                                        <p:attrNameLst>
-                                          <p:attrName>ppt_x</p:attrName>
-                                          <p:attrName>ppt_y</p:attrName>
-                                        </p:attrNameLst>
-                                      </p:cBhvr>
-                                      <p:rCtr x="1862" y="-2060"/>
-                                    </p:animMotion>
-                                  </p:childTnLst>
-                                </p:cTn>
-                              </p:par>
-                              <p:par>
-                                <p:cTn id="27" presetID="22" presetClass="entr" presetSubtype="8" fill="hold" nodeType="withEffect">
+                                <p:cTn id="22" presetID="22" presetClass="entr" presetSubtype="8" fill="hold" nodeType="withEffect">
                                   <p:stCondLst>
                                     <p:cond delay="500"/>
                                   </p:stCondLst>
                                   <p:childTnLst>
                                     <p:set>
                                       <p:cBhvr>
-                                        <p:cTn id="28" dur="1" fill="hold">
+                                        <p:cTn id="23" dur="1" fill="hold">
                                           <p:stCondLst>
                                             <p:cond delay="0"/>
                                           </p:stCondLst>
@@ -9823,7 +10684,7 @@
                                     </p:set>
                                     <p:animEffect transition="in" filter="wipe(left)">
                                       <p:cBhvr>
-                                        <p:cTn id="29" dur="500"/>
+                                        <p:cTn id="24" dur="500"/>
                                         <p:tgtEl>
                                           <p:spTgt spid="21"/>
                                         </p:tgtEl>
@@ -9833,71 +10694,14 @@
                                 </p:cTn>
                               </p:par>
                               <p:par>
-                                <p:cTn id="30" presetID="10" presetClass="entr" presetSubtype="0" fill="hold" grpId="0" nodeType="withEffect">
-                                  <p:stCondLst>
-                                    <p:cond delay="750"/>
-                                  </p:stCondLst>
-                                  <p:childTnLst>
-                                    <p:set>
-                                      <p:cBhvr>
-                                        <p:cTn id="31" dur="1" fill="hold">
-                                          <p:stCondLst>
-                                            <p:cond delay="0"/>
-                                          </p:stCondLst>
-                                        </p:cTn>
-                                        <p:tgtEl>
-                                          <p:spTgt spid="28"/>
-                                        </p:tgtEl>
-                                        <p:attrNameLst>
-                                          <p:attrName>style.visibility</p:attrName>
-                                        </p:attrNameLst>
-                                      </p:cBhvr>
-                                      <p:to>
-                                        <p:strVal val="visible"/>
-                                      </p:to>
-                                    </p:set>
-                                    <p:animEffect transition="in" filter="fade">
-                                      <p:cBhvr>
-                                        <p:cTn id="32" dur="1000"/>
-                                        <p:tgtEl>
-                                          <p:spTgt spid="28"/>
-                                        </p:tgtEl>
-                                      </p:cBhvr>
-                                    </p:animEffect>
-                                  </p:childTnLst>
-                                </p:cTn>
-                              </p:par>
-                              <p:par>
-                                <p:cTn id="33" presetID="56" presetClass="path" presetSubtype="0" accel="50000" decel="50000" fill="hold" grpId="1" nodeType="withEffect">
-                                  <p:stCondLst>
-                                    <p:cond delay="750"/>
-                                  </p:stCondLst>
-                                  <p:childTnLst>
-                                    <p:animMotion origin="layout" path="M -0.03737 0.04121 L -6.25E-7 -4.44444E-6 " pathEditMode="relative" rAng="0" ptsTypes="AA">
-                                      <p:cBhvr>
-                                        <p:cTn id="34" dur="700" fill="hold"/>
-                                        <p:tgtEl>
-                                          <p:spTgt spid="28"/>
-                                        </p:tgtEl>
-                                        <p:attrNameLst>
-                                          <p:attrName>ppt_x</p:attrName>
-                                          <p:attrName>ppt_y</p:attrName>
-                                        </p:attrNameLst>
-                                      </p:cBhvr>
-                                      <p:rCtr x="1862" y="-2060"/>
-                                    </p:animMotion>
-                                  </p:childTnLst>
-                                </p:cTn>
-                              </p:par>
-                              <p:par>
-                                <p:cTn id="35" presetID="22" presetClass="entr" presetSubtype="8" fill="hold" nodeType="withEffect">
+                                <p:cTn id="25" presetID="22" presetClass="entr" presetSubtype="8" fill="hold" nodeType="withEffect">
                                   <p:stCondLst>
                                     <p:cond delay="1000"/>
                                   </p:stCondLst>
                                   <p:childTnLst>
                                     <p:set>
                                       <p:cBhvr>
-                                        <p:cTn id="36" dur="1" fill="hold">
+                                        <p:cTn id="26" dur="1" fill="hold">
                                           <p:stCondLst>
                                             <p:cond delay="0"/>
                                           </p:stCondLst>
@@ -9915,7 +10719,7 @@
                                     </p:set>
                                     <p:animEffect transition="in" filter="wipe(left)">
                                       <p:cBhvr>
-                                        <p:cTn id="37" dur="500"/>
+                                        <p:cTn id="27" dur="500"/>
                                         <p:tgtEl>
                                           <p:spTgt spid="29"/>
                                         </p:tgtEl>
@@ -9928,20 +10732,20 @@
                           </p:cTn>
                         </p:par>
                         <p:par>
-                          <p:cTn id="38" fill="hold">
+                          <p:cTn id="28" fill="hold">
                             <p:stCondLst>
-                              <p:cond delay="1850"/>
+                              <p:cond delay="2149"/>
                             </p:stCondLst>
                             <p:childTnLst>
                               <p:par>
-                                <p:cTn id="39" presetID="2" presetClass="entr" presetSubtype="8" fill="hold" grpId="0" nodeType="afterEffect">
+                                <p:cTn id="29" presetID="2" presetClass="entr" presetSubtype="8" fill="hold" grpId="0" nodeType="afterEffect">
                                   <p:stCondLst>
                                     <p:cond delay="0"/>
                                   </p:stCondLst>
                                   <p:childTnLst>
                                     <p:set>
                                       <p:cBhvr>
-                                        <p:cTn id="40" dur="1" fill="hold">
+                                        <p:cTn id="30" dur="1" fill="hold">
                                           <p:stCondLst>
                                             <p:cond delay="0"/>
                                           </p:stCondLst>
@@ -9959,7 +10763,7 @@
                                     </p:set>
                                     <p:anim calcmode="lin" valueType="num">
                                       <p:cBhvr additive="base">
-                                        <p:cTn id="41" dur="500" fill="hold"/>
+                                        <p:cTn id="31" dur="500" fill="hold"/>
                                         <p:tgtEl>
                                           <p:spTgt spid="38"/>
                                         </p:tgtEl>
@@ -9982,7 +10786,7 @@
                                     </p:anim>
                                     <p:anim calcmode="lin" valueType="num">
                                       <p:cBhvr additive="base">
-                                        <p:cTn id="42" dur="500" fill="hold"/>
+                                        <p:cTn id="32" dur="500" fill="hold"/>
                                         <p:tgtEl>
                                           <p:spTgt spid="38"/>
                                         </p:tgtEl>
@@ -10010,20 +10814,20 @@
                           </p:cTn>
                         </p:par>
                         <p:par>
-                          <p:cTn id="43" fill="hold">
+                          <p:cTn id="33" fill="hold">
                             <p:stCondLst>
-                              <p:cond delay="2350"/>
+                              <p:cond delay="2649"/>
                             </p:stCondLst>
                             <p:childTnLst>
                               <p:par>
-                                <p:cTn id="44" presetID="26" presetClass="emph" presetSubtype="0" fill="hold" grpId="2" nodeType="afterEffect">
+                                <p:cTn id="34" presetID="26" presetClass="emph" presetSubtype="0" fill="hold" grpId="2" nodeType="afterEffect">
                                   <p:stCondLst>
                                     <p:cond delay="0"/>
                                   </p:stCondLst>
                                   <p:childTnLst>
                                     <p:animEffect transition="out" filter="fade">
                                       <p:cBhvr>
-                                        <p:cTn id="45" dur="500" tmFilter="0, 0; .2, .5; .8, .5; 1, 0"/>
+                                        <p:cTn id="35" dur="500" tmFilter="0, 0; .2, .5; .8, .5; 1, 0"/>
                                         <p:tgtEl>
                                           <p:spTgt spid="16"/>
                                         </p:tgtEl>
@@ -10031,7 +10835,7 @@
                                     </p:animEffect>
                                     <p:animScale>
                                       <p:cBhvr>
-                                        <p:cTn id="46" dur="250" autoRev="1" fill="hold"/>
+                                        <p:cTn id="36" dur="250" autoRev="1" fill="hold"/>
                                         <p:tgtEl>
                                           <p:spTgt spid="16"/>
                                         </p:tgtEl>
@@ -10042,71 +10846,14 @@
                                 </p:cTn>
                               </p:par>
                               <p:par>
-                                <p:cTn id="47" presetID="10" presetClass="entr" presetSubtype="0" fill="hold" grpId="0" nodeType="withEffect">
-                                  <p:stCondLst>
-                                    <p:cond delay="750"/>
-                                  </p:stCondLst>
-                                  <p:childTnLst>
-                                    <p:set>
-                                      <p:cBhvr>
-                                        <p:cTn id="48" dur="1" fill="hold">
-                                          <p:stCondLst>
-                                            <p:cond delay="0"/>
-                                          </p:stCondLst>
-                                        </p:cTn>
-                                        <p:tgtEl>
-                                          <p:spTgt spid="24"/>
-                                        </p:tgtEl>
-                                        <p:attrNameLst>
-                                          <p:attrName>style.visibility</p:attrName>
-                                        </p:attrNameLst>
-                                      </p:cBhvr>
-                                      <p:to>
-                                        <p:strVal val="visible"/>
-                                      </p:to>
-                                    </p:set>
-                                    <p:animEffect transition="in" filter="fade">
-                                      <p:cBhvr>
-                                        <p:cTn id="49" dur="1000"/>
-                                        <p:tgtEl>
-                                          <p:spTgt spid="24"/>
-                                        </p:tgtEl>
-                                      </p:cBhvr>
-                                    </p:animEffect>
-                                  </p:childTnLst>
-                                </p:cTn>
-                              </p:par>
-                              <p:par>
-                                <p:cTn id="50" presetID="56" presetClass="path" presetSubtype="0" accel="50000" decel="50000" fill="hold" grpId="1" nodeType="withEffect">
-                                  <p:stCondLst>
-                                    <p:cond delay="750"/>
-                                  </p:stCondLst>
-                                  <p:childTnLst>
-                                    <p:animMotion origin="layout" path="M -0.03737 0.04121 L -6.25E-7 -4.44444E-6 " pathEditMode="relative" rAng="0" ptsTypes="AA">
-                                      <p:cBhvr>
-                                        <p:cTn id="51" dur="700" fill="hold"/>
-                                        <p:tgtEl>
-                                          <p:spTgt spid="24"/>
-                                        </p:tgtEl>
-                                        <p:attrNameLst>
-                                          <p:attrName>ppt_x</p:attrName>
-                                          <p:attrName>ppt_y</p:attrName>
-                                        </p:attrNameLst>
-                                      </p:cBhvr>
-                                      <p:rCtr x="1862" y="-2060"/>
-                                    </p:animMotion>
-                                  </p:childTnLst>
-                                </p:cTn>
-                              </p:par>
-                              <p:par>
-                                <p:cTn id="52" presetID="22" presetClass="entr" presetSubtype="8" fill="hold" nodeType="withEffect">
+                                <p:cTn id="37" presetID="22" presetClass="entr" presetSubtype="8" fill="hold" nodeType="withEffect">
                                   <p:stCondLst>
                                     <p:cond delay="500"/>
                                   </p:stCondLst>
                                   <p:childTnLst>
                                     <p:set>
                                       <p:cBhvr>
-                                        <p:cTn id="53" dur="1" fill="hold">
+                                        <p:cTn id="38" dur="1" fill="hold">
                                           <p:stCondLst>
                                             <p:cond delay="0"/>
                                           </p:stCondLst>
@@ -10124,7 +10871,7 @@
                                     </p:set>
                                     <p:animEffect transition="in" filter="wipe(left)">
                                       <p:cBhvr>
-                                        <p:cTn id="54" dur="500"/>
+                                        <p:cTn id="39" dur="500"/>
                                         <p:tgtEl>
                                           <p:spTgt spid="25"/>
                                         </p:tgtEl>
@@ -10134,14 +10881,14 @@
                                 </p:cTn>
                               </p:par>
                               <p:par>
-                                <p:cTn id="55" presetID="22" presetClass="entr" presetSubtype="8" fill="hold" nodeType="withEffect">
+                                <p:cTn id="40" presetID="22" presetClass="entr" presetSubtype="8" fill="hold" nodeType="withEffect">
                                   <p:stCondLst>
                                     <p:cond delay="1000"/>
                                   </p:stCondLst>
                                   <p:childTnLst>
                                     <p:set>
                                       <p:cBhvr>
-                                        <p:cTn id="56" dur="1" fill="hold">
+                                        <p:cTn id="41" dur="1" fill="hold">
                                           <p:stCondLst>
                                             <p:cond delay="0"/>
                                           </p:stCondLst>
@@ -10159,12 +10906,894 @@
                                     </p:set>
                                     <p:animEffect transition="in" filter="wipe(left)">
                                       <p:cBhvr>
-                                        <p:cTn id="57" dur="500"/>
+                                        <p:cTn id="42" dur="500"/>
                                         <p:tgtEl>
                                           <p:spTgt spid="32"/>
                                         </p:tgtEl>
                                       </p:cBhvr>
                                     </p:animEffect>
+                                  </p:childTnLst>
+                                </p:cTn>
+                              </p:par>
+                              <p:par>
+                                <p:cTn id="43" presetID="22" presetClass="entr" presetSubtype="8" fill="hold" nodeType="withEffect">
+                                  <p:stCondLst>
+                                    <p:cond delay="1000"/>
+                                  </p:stCondLst>
+                                  <p:childTnLst>
+                                    <p:set>
+                                      <p:cBhvr>
+                                        <p:cTn id="44" dur="1" fill="hold">
+                                          <p:stCondLst>
+                                            <p:cond delay="0"/>
+                                          </p:stCondLst>
+                                        </p:cTn>
+                                        <p:tgtEl>
+                                          <p:spTgt spid="40"/>
+                                        </p:tgtEl>
+                                        <p:attrNameLst>
+                                          <p:attrName>style.visibility</p:attrName>
+                                        </p:attrNameLst>
+                                      </p:cBhvr>
+                                      <p:to>
+                                        <p:strVal val="visible"/>
+                                      </p:to>
+                                    </p:set>
+                                    <p:animEffect transition="in" filter="wipe(left)">
+                                      <p:cBhvr>
+                                        <p:cTn id="45" dur="500"/>
+                                        <p:tgtEl>
+                                          <p:spTgt spid="40"/>
+                                        </p:tgtEl>
+                                      </p:cBhvr>
+                                    </p:animEffect>
+                                  </p:childTnLst>
+                                </p:cTn>
+                              </p:par>
+                              <p:par>
+                                <p:cTn id="46" presetID="22" presetClass="entr" presetSubtype="8" fill="hold" nodeType="withEffect">
+                                  <p:stCondLst>
+                                    <p:cond delay="1000"/>
+                                  </p:stCondLst>
+                                  <p:childTnLst>
+                                    <p:set>
+                                      <p:cBhvr>
+                                        <p:cTn id="47" dur="1" fill="hold">
+                                          <p:stCondLst>
+                                            <p:cond delay="0"/>
+                                          </p:stCondLst>
+                                        </p:cTn>
+                                        <p:tgtEl>
+                                          <p:spTgt spid="43"/>
+                                        </p:tgtEl>
+                                        <p:attrNameLst>
+                                          <p:attrName>style.visibility</p:attrName>
+                                        </p:attrNameLst>
+                                      </p:cBhvr>
+                                      <p:to>
+                                        <p:strVal val="visible"/>
+                                      </p:to>
+                                    </p:set>
+                                    <p:animEffect transition="in" filter="wipe(left)">
+                                      <p:cBhvr>
+                                        <p:cTn id="48" dur="500"/>
+                                        <p:tgtEl>
+                                          <p:spTgt spid="43"/>
+                                        </p:tgtEl>
+                                      </p:cBhvr>
+                                    </p:animEffect>
+                                  </p:childTnLst>
+                                </p:cTn>
+                              </p:par>
+                              <p:par>
+                                <p:cTn id="49" presetID="22" presetClass="entr" presetSubtype="8" fill="hold" nodeType="withEffect">
+                                  <p:stCondLst>
+                                    <p:cond delay="1000"/>
+                                  </p:stCondLst>
+                                  <p:childTnLst>
+                                    <p:set>
+                                      <p:cBhvr>
+                                        <p:cTn id="50" dur="1" fill="hold">
+                                          <p:stCondLst>
+                                            <p:cond delay="0"/>
+                                          </p:stCondLst>
+                                        </p:cTn>
+                                        <p:tgtEl>
+                                          <p:spTgt spid="48"/>
+                                        </p:tgtEl>
+                                        <p:attrNameLst>
+                                          <p:attrName>style.visibility</p:attrName>
+                                        </p:attrNameLst>
+                                      </p:cBhvr>
+                                      <p:to>
+                                        <p:strVal val="visible"/>
+                                      </p:to>
+                                    </p:set>
+                                    <p:animEffect transition="in" filter="wipe(left)">
+                                      <p:cBhvr>
+                                        <p:cTn id="51" dur="500"/>
+                                        <p:tgtEl>
+                                          <p:spTgt spid="48"/>
+                                        </p:tgtEl>
+                                      </p:cBhvr>
+                                    </p:animEffect>
+                                  </p:childTnLst>
+                                </p:cTn>
+                              </p:par>
+                              <p:par>
+                                <p:cTn id="52" presetID="22" presetClass="entr" presetSubtype="8" fill="hold" nodeType="withEffect">
+                                  <p:stCondLst>
+                                    <p:cond delay="1000"/>
+                                  </p:stCondLst>
+                                  <p:childTnLst>
+                                    <p:set>
+                                      <p:cBhvr>
+                                        <p:cTn id="53" dur="1" fill="hold">
+                                          <p:stCondLst>
+                                            <p:cond delay="0"/>
+                                          </p:stCondLst>
+                                        </p:cTn>
+                                        <p:tgtEl>
+                                          <p:spTgt spid="51"/>
+                                        </p:tgtEl>
+                                        <p:attrNameLst>
+                                          <p:attrName>style.visibility</p:attrName>
+                                        </p:attrNameLst>
+                                      </p:cBhvr>
+                                      <p:to>
+                                        <p:strVal val="visible"/>
+                                      </p:to>
+                                    </p:set>
+                                    <p:animEffect transition="in" filter="wipe(left)">
+                                      <p:cBhvr>
+                                        <p:cTn id="54" dur="500"/>
+                                        <p:tgtEl>
+                                          <p:spTgt spid="51"/>
+                                        </p:tgtEl>
+                                      </p:cBhvr>
+                                    </p:animEffect>
+                                  </p:childTnLst>
+                                </p:cTn>
+                              </p:par>
+                              <p:par>
+                                <p:cTn id="55" presetID="22" presetClass="entr" presetSubtype="8" fill="hold" nodeType="withEffect">
+                                  <p:stCondLst>
+                                    <p:cond delay="500"/>
+                                  </p:stCondLst>
+                                  <p:childTnLst>
+                                    <p:set>
+                                      <p:cBhvr>
+                                        <p:cTn id="56" dur="1" fill="hold">
+                                          <p:stCondLst>
+                                            <p:cond delay="0"/>
+                                          </p:stCondLst>
+                                        </p:cTn>
+                                        <p:tgtEl>
+                                          <p:spTgt spid="54"/>
+                                        </p:tgtEl>
+                                        <p:attrNameLst>
+                                          <p:attrName>style.visibility</p:attrName>
+                                        </p:attrNameLst>
+                                      </p:cBhvr>
+                                      <p:to>
+                                        <p:strVal val="visible"/>
+                                      </p:to>
+                                    </p:set>
+                                    <p:animEffect transition="in" filter="wipe(left)">
+                                      <p:cBhvr>
+                                        <p:cTn id="57" dur="500"/>
+                                        <p:tgtEl>
+                                          <p:spTgt spid="54"/>
+                                        </p:tgtEl>
+                                      </p:cBhvr>
+                                    </p:animEffect>
+                                  </p:childTnLst>
+                                </p:cTn>
+                              </p:par>
+                            </p:childTnLst>
+                          </p:cTn>
+                        </p:par>
+                        <p:par>
+                          <p:cTn id="58" fill="hold">
+                            <p:stCondLst>
+                              <p:cond delay="3149"/>
+                            </p:stCondLst>
+                            <p:childTnLst>
+                              <p:par>
+                                <p:cTn id="59" presetID="10" presetClass="entr" presetSubtype="0" fill="hold" grpId="0" nodeType="afterEffect">
+                                  <p:stCondLst>
+                                    <p:cond delay="0"/>
+                                  </p:stCondLst>
+                                  <p:childTnLst>
+                                    <p:set>
+                                      <p:cBhvr>
+                                        <p:cTn id="60" dur="1" fill="hold">
+                                          <p:stCondLst>
+                                            <p:cond delay="0"/>
+                                          </p:stCondLst>
+                                        </p:cTn>
+                                        <p:tgtEl>
+                                          <p:spTgt spid="57"/>
+                                        </p:tgtEl>
+                                        <p:attrNameLst>
+                                          <p:attrName>style.visibility</p:attrName>
+                                        </p:attrNameLst>
+                                      </p:cBhvr>
+                                      <p:to>
+                                        <p:strVal val="visible"/>
+                                      </p:to>
+                                    </p:set>
+                                    <p:animEffect transition="in" filter="fade">
+                                      <p:cBhvr>
+                                        <p:cTn id="61" dur="1000"/>
+                                        <p:tgtEl>
+                                          <p:spTgt spid="57"/>
+                                        </p:tgtEl>
+                                      </p:cBhvr>
+                                    </p:animEffect>
+                                  </p:childTnLst>
+                                </p:cTn>
+                              </p:par>
+                              <p:par>
+                                <p:cTn id="62" presetID="56" presetClass="path" presetSubtype="0" accel="50000" decel="50000" fill="hold" grpId="1" nodeType="withEffect">
+                                  <p:stCondLst>
+                                    <p:cond delay="0"/>
+                                  </p:stCondLst>
+                                  <p:childTnLst>
+                                    <p:animMotion origin="layout" path="M -0.03737 0.04121 L -6.25E-7 -3.33333E-6 " pathEditMode="relative" rAng="0" ptsTypes="AA">
+                                      <p:cBhvr>
+                                        <p:cTn id="63" dur="700" fill="hold"/>
+                                        <p:tgtEl>
+                                          <p:spTgt spid="57"/>
+                                        </p:tgtEl>
+                                        <p:attrNameLst>
+                                          <p:attrName>ppt_x</p:attrName>
+                                          <p:attrName>ppt_y</p:attrName>
+                                        </p:attrNameLst>
+                                      </p:cBhvr>
+                                      <p:rCtr x="1862" y="-2060"/>
+                                    </p:animMotion>
+                                  </p:childTnLst>
+                                </p:cTn>
+                              </p:par>
+                            </p:childTnLst>
+                          </p:cTn>
+                        </p:par>
+                        <p:par>
+                          <p:cTn id="64" fill="hold">
+                            <p:stCondLst>
+                              <p:cond delay="4149"/>
+                            </p:stCondLst>
+                            <p:childTnLst>
+                              <p:par>
+                                <p:cTn id="65" presetID="26" presetClass="emph" presetSubtype="0" fill="hold" grpId="2" nodeType="afterEffect">
+                                  <p:stCondLst>
+                                    <p:cond delay="0"/>
+                                  </p:stCondLst>
+                                  <p:childTnLst>
+                                    <p:animEffect transition="out" filter="fade">
+                                      <p:cBhvr>
+                                        <p:cTn id="66" dur="500" tmFilter="0, 0; .2, .5; .8, .5; 1, 0"/>
+                                        <p:tgtEl>
+                                          <p:spTgt spid="57"/>
+                                        </p:tgtEl>
+                                      </p:cBhvr>
+                                    </p:animEffect>
+                                    <p:animScale>
+                                      <p:cBhvr>
+                                        <p:cTn id="67" dur="250" autoRev="1" fill="hold"/>
+                                        <p:tgtEl>
+                                          <p:spTgt spid="57"/>
+                                        </p:tgtEl>
+                                      </p:cBhvr>
+                                      <p:by x="105000" y="105000"/>
+                                    </p:animScale>
+                                  </p:childTnLst>
+                                </p:cTn>
+                              </p:par>
+                            </p:childTnLst>
+                          </p:cTn>
+                        </p:par>
+                        <p:par>
+                          <p:cTn id="68" fill="hold">
+                            <p:stCondLst>
+                              <p:cond delay="4649"/>
+                            </p:stCondLst>
+                            <p:childTnLst>
+                              <p:par>
+                                <p:cTn id="69" presetID="10" presetClass="entr" presetSubtype="0" fill="hold" grpId="0" nodeType="afterEffect">
+                                  <p:stCondLst>
+                                    <p:cond delay="0"/>
+                                  </p:stCondLst>
+                                  <p:childTnLst>
+                                    <p:set>
+                                      <p:cBhvr>
+                                        <p:cTn id="70" dur="1" fill="hold">
+                                          <p:stCondLst>
+                                            <p:cond delay="0"/>
+                                          </p:stCondLst>
+                                        </p:cTn>
+                                        <p:tgtEl>
+                                          <p:spTgt spid="59"/>
+                                        </p:tgtEl>
+                                        <p:attrNameLst>
+                                          <p:attrName>style.visibility</p:attrName>
+                                        </p:attrNameLst>
+                                      </p:cBhvr>
+                                      <p:to>
+                                        <p:strVal val="visible"/>
+                                      </p:to>
+                                    </p:set>
+                                    <p:animEffect transition="in" filter="fade">
+                                      <p:cBhvr>
+                                        <p:cTn id="71" dur="1000"/>
+                                        <p:tgtEl>
+                                          <p:spTgt spid="59"/>
+                                        </p:tgtEl>
+                                      </p:cBhvr>
+                                    </p:animEffect>
+                                  </p:childTnLst>
+                                </p:cTn>
+                              </p:par>
+                              <p:par>
+                                <p:cTn id="72" presetID="56" presetClass="path" presetSubtype="0" accel="50000" decel="50000" fill="hold" grpId="1" nodeType="withEffect">
+                                  <p:stCondLst>
+                                    <p:cond delay="0"/>
+                                  </p:stCondLst>
+                                  <p:childTnLst>
+                                    <p:animMotion origin="layout" path="M -0.03737 0.04121 L -6.25E-7 -3.33333E-6 " pathEditMode="relative" rAng="0" ptsTypes="AA">
+                                      <p:cBhvr>
+                                        <p:cTn id="73" dur="700" fill="hold"/>
+                                        <p:tgtEl>
+                                          <p:spTgt spid="59"/>
+                                        </p:tgtEl>
+                                        <p:attrNameLst>
+                                          <p:attrName>ppt_x</p:attrName>
+                                          <p:attrName>ppt_y</p:attrName>
+                                        </p:attrNameLst>
+                                      </p:cBhvr>
+                                      <p:rCtr x="1862" y="-2060"/>
+                                    </p:animMotion>
+                                  </p:childTnLst>
+                                </p:cTn>
+                              </p:par>
+                            </p:childTnLst>
+                          </p:cTn>
+                        </p:par>
+                        <p:par>
+                          <p:cTn id="74" fill="hold">
+                            <p:stCondLst>
+                              <p:cond delay="5649"/>
+                            </p:stCondLst>
+                            <p:childTnLst>
+                              <p:par>
+                                <p:cTn id="75" presetID="26" presetClass="emph" presetSubtype="0" fill="hold" grpId="2" nodeType="afterEffect">
+                                  <p:stCondLst>
+                                    <p:cond delay="0"/>
+                                  </p:stCondLst>
+                                  <p:childTnLst>
+                                    <p:animEffect transition="out" filter="fade">
+                                      <p:cBhvr>
+                                        <p:cTn id="76" dur="500" tmFilter="0, 0; .2, .5; .8, .5; 1, 0"/>
+                                        <p:tgtEl>
+                                          <p:spTgt spid="59"/>
+                                        </p:tgtEl>
+                                      </p:cBhvr>
+                                    </p:animEffect>
+                                    <p:animScale>
+                                      <p:cBhvr>
+                                        <p:cTn id="77" dur="250" autoRev="1" fill="hold"/>
+                                        <p:tgtEl>
+                                          <p:spTgt spid="59"/>
+                                        </p:tgtEl>
+                                      </p:cBhvr>
+                                      <p:by x="105000" y="105000"/>
+                                    </p:animScale>
+                                  </p:childTnLst>
+                                </p:cTn>
+                              </p:par>
+                            </p:childTnLst>
+                          </p:cTn>
+                        </p:par>
+                        <p:par>
+                          <p:cTn id="78" fill="hold">
+                            <p:stCondLst>
+                              <p:cond delay="6149"/>
+                            </p:stCondLst>
+                            <p:childTnLst>
+                              <p:par>
+                                <p:cTn id="79" presetID="10" presetClass="entr" presetSubtype="0" fill="hold" grpId="0" nodeType="afterEffect">
+                                  <p:stCondLst>
+                                    <p:cond delay="0"/>
+                                  </p:stCondLst>
+                                  <p:childTnLst>
+                                    <p:set>
+                                      <p:cBhvr>
+                                        <p:cTn id="80" dur="1" fill="hold">
+                                          <p:stCondLst>
+                                            <p:cond delay="0"/>
+                                          </p:stCondLst>
+                                        </p:cTn>
+                                        <p:tgtEl>
+                                          <p:spTgt spid="60"/>
+                                        </p:tgtEl>
+                                        <p:attrNameLst>
+                                          <p:attrName>style.visibility</p:attrName>
+                                        </p:attrNameLst>
+                                      </p:cBhvr>
+                                      <p:to>
+                                        <p:strVal val="visible"/>
+                                      </p:to>
+                                    </p:set>
+                                    <p:animEffect transition="in" filter="fade">
+                                      <p:cBhvr>
+                                        <p:cTn id="81" dur="1000"/>
+                                        <p:tgtEl>
+                                          <p:spTgt spid="60"/>
+                                        </p:tgtEl>
+                                      </p:cBhvr>
+                                    </p:animEffect>
+                                  </p:childTnLst>
+                                </p:cTn>
+                              </p:par>
+                              <p:par>
+                                <p:cTn id="82" presetID="56" presetClass="path" presetSubtype="0" accel="50000" decel="50000" fill="hold" grpId="1" nodeType="withEffect">
+                                  <p:stCondLst>
+                                    <p:cond delay="0"/>
+                                  </p:stCondLst>
+                                  <p:childTnLst>
+                                    <p:animMotion origin="layout" path="M -0.03737 0.04121 L -6.25E-7 -3.33333E-6 " pathEditMode="relative" rAng="0" ptsTypes="AA">
+                                      <p:cBhvr>
+                                        <p:cTn id="83" dur="700" fill="hold"/>
+                                        <p:tgtEl>
+                                          <p:spTgt spid="60"/>
+                                        </p:tgtEl>
+                                        <p:attrNameLst>
+                                          <p:attrName>ppt_x</p:attrName>
+                                          <p:attrName>ppt_y</p:attrName>
+                                        </p:attrNameLst>
+                                      </p:cBhvr>
+                                      <p:rCtr x="1862" y="-2060"/>
+                                    </p:animMotion>
+                                  </p:childTnLst>
+                                </p:cTn>
+                              </p:par>
+                            </p:childTnLst>
+                          </p:cTn>
+                        </p:par>
+                        <p:par>
+                          <p:cTn id="84" fill="hold">
+                            <p:stCondLst>
+                              <p:cond delay="7149"/>
+                            </p:stCondLst>
+                            <p:childTnLst>
+                              <p:par>
+                                <p:cTn id="85" presetID="26" presetClass="emph" presetSubtype="0" fill="hold" grpId="2" nodeType="afterEffect">
+                                  <p:stCondLst>
+                                    <p:cond delay="0"/>
+                                  </p:stCondLst>
+                                  <p:childTnLst>
+                                    <p:animEffect transition="out" filter="fade">
+                                      <p:cBhvr>
+                                        <p:cTn id="86" dur="500" tmFilter="0, 0; .2, .5; .8, .5; 1, 0"/>
+                                        <p:tgtEl>
+                                          <p:spTgt spid="60"/>
+                                        </p:tgtEl>
+                                      </p:cBhvr>
+                                    </p:animEffect>
+                                    <p:animScale>
+                                      <p:cBhvr>
+                                        <p:cTn id="87" dur="250" autoRev="1" fill="hold"/>
+                                        <p:tgtEl>
+                                          <p:spTgt spid="60"/>
+                                        </p:tgtEl>
+                                      </p:cBhvr>
+                                      <p:by x="105000" y="105000"/>
+                                    </p:animScale>
+                                  </p:childTnLst>
+                                </p:cTn>
+                              </p:par>
+                            </p:childTnLst>
+                          </p:cTn>
+                        </p:par>
+                        <p:par>
+                          <p:cTn id="88" fill="hold">
+                            <p:stCondLst>
+                              <p:cond delay="7649"/>
+                            </p:stCondLst>
+                            <p:childTnLst>
+                              <p:par>
+                                <p:cTn id="89" presetID="10" presetClass="entr" presetSubtype="0" fill="hold" grpId="0" nodeType="afterEffect">
+                                  <p:stCondLst>
+                                    <p:cond delay="0"/>
+                                  </p:stCondLst>
+                                  <p:childTnLst>
+                                    <p:set>
+                                      <p:cBhvr>
+                                        <p:cTn id="90" dur="1" fill="hold">
+                                          <p:stCondLst>
+                                            <p:cond delay="0"/>
+                                          </p:stCondLst>
+                                        </p:cTn>
+                                        <p:tgtEl>
+                                          <p:spTgt spid="61"/>
+                                        </p:tgtEl>
+                                        <p:attrNameLst>
+                                          <p:attrName>style.visibility</p:attrName>
+                                        </p:attrNameLst>
+                                      </p:cBhvr>
+                                      <p:to>
+                                        <p:strVal val="visible"/>
+                                      </p:to>
+                                    </p:set>
+                                    <p:animEffect transition="in" filter="fade">
+                                      <p:cBhvr>
+                                        <p:cTn id="91" dur="1000"/>
+                                        <p:tgtEl>
+                                          <p:spTgt spid="61"/>
+                                        </p:tgtEl>
+                                      </p:cBhvr>
+                                    </p:animEffect>
+                                  </p:childTnLst>
+                                </p:cTn>
+                              </p:par>
+                              <p:par>
+                                <p:cTn id="92" presetID="56" presetClass="path" presetSubtype="0" accel="50000" decel="50000" fill="hold" grpId="1" nodeType="withEffect">
+                                  <p:stCondLst>
+                                    <p:cond delay="0"/>
+                                  </p:stCondLst>
+                                  <p:childTnLst>
+                                    <p:animMotion origin="layout" path="M -0.03737 0.04121 L -6.25E-7 -3.33333E-6 " pathEditMode="relative" rAng="0" ptsTypes="AA">
+                                      <p:cBhvr>
+                                        <p:cTn id="93" dur="700" fill="hold"/>
+                                        <p:tgtEl>
+                                          <p:spTgt spid="61"/>
+                                        </p:tgtEl>
+                                        <p:attrNameLst>
+                                          <p:attrName>ppt_x</p:attrName>
+                                          <p:attrName>ppt_y</p:attrName>
+                                        </p:attrNameLst>
+                                      </p:cBhvr>
+                                      <p:rCtr x="1862" y="-2060"/>
+                                    </p:animMotion>
+                                  </p:childTnLst>
+                                </p:cTn>
+                              </p:par>
+                            </p:childTnLst>
+                          </p:cTn>
+                        </p:par>
+                        <p:par>
+                          <p:cTn id="94" fill="hold">
+                            <p:stCondLst>
+                              <p:cond delay="8649"/>
+                            </p:stCondLst>
+                            <p:childTnLst>
+                              <p:par>
+                                <p:cTn id="95" presetID="26" presetClass="emph" presetSubtype="0" fill="hold" grpId="2" nodeType="afterEffect">
+                                  <p:stCondLst>
+                                    <p:cond delay="0"/>
+                                  </p:stCondLst>
+                                  <p:childTnLst>
+                                    <p:animEffect transition="out" filter="fade">
+                                      <p:cBhvr>
+                                        <p:cTn id="96" dur="500" tmFilter="0, 0; .2, .5; .8, .5; 1, 0"/>
+                                        <p:tgtEl>
+                                          <p:spTgt spid="61"/>
+                                        </p:tgtEl>
+                                      </p:cBhvr>
+                                    </p:animEffect>
+                                    <p:animScale>
+                                      <p:cBhvr>
+                                        <p:cTn id="97" dur="250" autoRev="1" fill="hold"/>
+                                        <p:tgtEl>
+                                          <p:spTgt spid="61"/>
+                                        </p:tgtEl>
+                                      </p:cBhvr>
+                                      <p:by x="105000" y="105000"/>
+                                    </p:animScale>
+                                  </p:childTnLst>
+                                </p:cTn>
+                              </p:par>
+                            </p:childTnLst>
+                          </p:cTn>
+                        </p:par>
+                        <p:par>
+                          <p:cTn id="98" fill="hold">
+                            <p:stCondLst>
+                              <p:cond delay="9149"/>
+                            </p:stCondLst>
+                            <p:childTnLst>
+                              <p:par>
+                                <p:cTn id="99" presetID="10" presetClass="entr" presetSubtype="0" fill="hold" grpId="0" nodeType="afterEffect">
+                                  <p:stCondLst>
+                                    <p:cond delay="0"/>
+                                  </p:stCondLst>
+                                  <p:childTnLst>
+                                    <p:set>
+                                      <p:cBhvr>
+                                        <p:cTn id="100" dur="1" fill="hold">
+                                          <p:stCondLst>
+                                            <p:cond delay="0"/>
+                                          </p:stCondLst>
+                                        </p:cTn>
+                                        <p:tgtEl>
+                                          <p:spTgt spid="62"/>
+                                        </p:tgtEl>
+                                        <p:attrNameLst>
+                                          <p:attrName>style.visibility</p:attrName>
+                                        </p:attrNameLst>
+                                      </p:cBhvr>
+                                      <p:to>
+                                        <p:strVal val="visible"/>
+                                      </p:to>
+                                    </p:set>
+                                    <p:animEffect transition="in" filter="fade">
+                                      <p:cBhvr>
+                                        <p:cTn id="101" dur="1000"/>
+                                        <p:tgtEl>
+                                          <p:spTgt spid="62"/>
+                                        </p:tgtEl>
+                                      </p:cBhvr>
+                                    </p:animEffect>
+                                  </p:childTnLst>
+                                </p:cTn>
+                              </p:par>
+                              <p:par>
+                                <p:cTn id="102" presetID="56" presetClass="path" presetSubtype="0" accel="50000" decel="50000" fill="hold" grpId="1" nodeType="withEffect">
+                                  <p:stCondLst>
+                                    <p:cond delay="0"/>
+                                  </p:stCondLst>
+                                  <p:childTnLst>
+                                    <p:animMotion origin="layout" path="M -0.03737 0.04121 L -6.25E-7 -3.33333E-6 " pathEditMode="relative" rAng="0" ptsTypes="AA">
+                                      <p:cBhvr>
+                                        <p:cTn id="103" dur="700" fill="hold"/>
+                                        <p:tgtEl>
+                                          <p:spTgt spid="62"/>
+                                        </p:tgtEl>
+                                        <p:attrNameLst>
+                                          <p:attrName>ppt_x</p:attrName>
+                                          <p:attrName>ppt_y</p:attrName>
+                                        </p:attrNameLst>
+                                      </p:cBhvr>
+                                      <p:rCtr x="1862" y="-2060"/>
+                                    </p:animMotion>
+                                  </p:childTnLst>
+                                </p:cTn>
+                              </p:par>
+                            </p:childTnLst>
+                          </p:cTn>
+                        </p:par>
+                        <p:par>
+                          <p:cTn id="104" fill="hold">
+                            <p:stCondLst>
+                              <p:cond delay="10149"/>
+                            </p:stCondLst>
+                            <p:childTnLst>
+                              <p:par>
+                                <p:cTn id="105" presetID="26" presetClass="emph" presetSubtype="0" fill="hold" grpId="2" nodeType="afterEffect">
+                                  <p:stCondLst>
+                                    <p:cond delay="0"/>
+                                  </p:stCondLst>
+                                  <p:childTnLst>
+                                    <p:animEffect transition="out" filter="fade">
+                                      <p:cBhvr>
+                                        <p:cTn id="106" dur="500" tmFilter="0, 0; .2, .5; .8, .5; 1, 0"/>
+                                        <p:tgtEl>
+                                          <p:spTgt spid="62"/>
+                                        </p:tgtEl>
+                                      </p:cBhvr>
+                                    </p:animEffect>
+                                    <p:animScale>
+                                      <p:cBhvr>
+                                        <p:cTn id="107" dur="250" autoRev="1" fill="hold"/>
+                                        <p:tgtEl>
+                                          <p:spTgt spid="62"/>
+                                        </p:tgtEl>
+                                      </p:cBhvr>
+                                      <p:by x="105000" y="105000"/>
+                                    </p:animScale>
+                                  </p:childTnLst>
+                                </p:cTn>
+                              </p:par>
+                            </p:childTnLst>
+                          </p:cTn>
+                        </p:par>
+                        <p:par>
+                          <p:cTn id="108" fill="hold">
+                            <p:stCondLst>
+                              <p:cond delay="10649"/>
+                            </p:stCondLst>
+                            <p:childTnLst>
+                              <p:par>
+                                <p:cTn id="109" presetID="10" presetClass="entr" presetSubtype="0" fill="hold" grpId="0" nodeType="afterEffect">
+                                  <p:stCondLst>
+                                    <p:cond delay="0"/>
+                                  </p:stCondLst>
+                                  <p:childTnLst>
+                                    <p:set>
+                                      <p:cBhvr>
+                                        <p:cTn id="110" dur="1" fill="hold">
+                                          <p:stCondLst>
+                                            <p:cond delay="0"/>
+                                          </p:stCondLst>
+                                        </p:cTn>
+                                        <p:tgtEl>
+                                          <p:spTgt spid="63"/>
+                                        </p:tgtEl>
+                                        <p:attrNameLst>
+                                          <p:attrName>style.visibility</p:attrName>
+                                        </p:attrNameLst>
+                                      </p:cBhvr>
+                                      <p:to>
+                                        <p:strVal val="visible"/>
+                                      </p:to>
+                                    </p:set>
+                                    <p:animEffect transition="in" filter="fade">
+                                      <p:cBhvr>
+                                        <p:cTn id="111" dur="1000"/>
+                                        <p:tgtEl>
+                                          <p:spTgt spid="63"/>
+                                        </p:tgtEl>
+                                      </p:cBhvr>
+                                    </p:animEffect>
+                                  </p:childTnLst>
+                                </p:cTn>
+                              </p:par>
+                              <p:par>
+                                <p:cTn id="112" presetID="56" presetClass="path" presetSubtype="0" accel="50000" decel="50000" fill="hold" grpId="1" nodeType="withEffect">
+                                  <p:stCondLst>
+                                    <p:cond delay="0"/>
+                                  </p:stCondLst>
+                                  <p:childTnLst>
+                                    <p:animMotion origin="layout" path="M -0.03737 0.04121 L -6.25E-7 -3.33333E-6 " pathEditMode="relative" rAng="0" ptsTypes="AA">
+                                      <p:cBhvr>
+                                        <p:cTn id="113" dur="700" fill="hold"/>
+                                        <p:tgtEl>
+                                          <p:spTgt spid="63"/>
+                                        </p:tgtEl>
+                                        <p:attrNameLst>
+                                          <p:attrName>ppt_x</p:attrName>
+                                          <p:attrName>ppt_y</p:attrName>
+                                        </p:attrNameLst>
+                                      </p:cBhvr>
+                                      <p:rCtr x="1862" y="-2060"/>
+                                    </p:animMotion>
+                                  </p:childTnLst>
+                                </p:cTn>
+                              </p:par>
+                            </p:childTnLst>
+                          </p:cTn>
+                        </p:par>
+                        <p:par>
+                          <p:cTn id="114" fill="hold">
+                            <p:stCondLst>
+                              <p:cond delay="11649"/>
+                            </p:stCondLst>
+                            <p:childTnLst>
+                              <p:par>
+                                <p:cTn id="115" presetID="26" presetClass="emph" presetSubtype="0" fill="hold" grpId="2" nodeType="afterEffect">
+                                  <p:stCondLst>
+                                    <p:cond delay="0"/>
+                                  </p:stCondLst>
+                                  <p:childTnLst>
+                                    <p:animEffect transition="out" filter="fade">
+                                      <p:cBhvr>
+                                        <p:cTn id="116" dur="500" tmFilter="0, 0; .2, .5; .8, .5; 1, 0"/>
+                                        <p:tgtEl>
+                                          <p:spTgt spid="63"/>
+                                        </p:tgtEl>
+                                      </p:cBhvr>
+                                    </p:animEffect>
+                                    <p:animScale>
+                                      <p:cBhvr>
+                                        <p:cTn id="117" dur="250" autoRev="1" fill="hold"/>
+                                        <p:tgtEl>
+                                          <p:spTgt spid="63"/>
+                                        </p:tgtEl>
+                                      </p:cBhvr>
+                                      <p:by x="105000" y="105000"/>
+                                    </p:animScale>
+                                  </p:childTnLst>
+                                </p:cTn>
+                              </p:par>
+                            </p:childTnLst>
+                          </p:cTn>
+                        </p:par>
+                        <p:par>
+                          <p:cTn id="118" fill="hold">
+                            <p:stCondLst>
+                              <p:cond delay="12149"/>
+                            </p:stCondLst>
+                            <p:childTnLst>
+                              <p:par>
+                                <p:cTn id="119" presetID="10" presetClass="entr" presetSubtype="0" fill="hold" grpId="0" nodeType="afterEffect">
+                                  <p:stCondLst>
+                                    <p:cond delay="0"/>
+                                  </p:stCondLst>
+                                  <p:childTnLst>
+                                    <p:set>
+                                      <p:cBhvr>
+                                        <p:cTn id="120" dur="1" fill="hold">
+                                          <p:stCondLst>
+                                            <p:cond delay="0"/>
+                                          </p:stCondLst>
+                                        </p:cTn>
+                                        <p:tgtEl>
+                                          <p:spTgt spid="64"/>
+                                        </p:tgtEl>
+                                        <p:attrNameLst>
+                                          <p:attrName>style.visibility</p:attrName>
+                                        </p:attrNameLst>
+                                      </p:cBhvr>
+                                      <p:to>
+                                        <p:strVal val="visible"/>
+                                      </p:to>
+                                    </p:set>
+                                    <p:animEffect transition="in" filter="fade">
+                                      <p:cBhvr>
+                                        <p:cTn id="121" dur="1000"/>
+                                        <p:tgtEl>
+                                          <p:spTgt spid="64"/>
+                                        </p:tgtEl>
+                                      </p:cBhvr>
+                                    </p:animEffect>
+                                  </p:childTnLst>
+                                </p:cTn>
+                              </p:par>
+                              <p:par>
+                                <p:cTn id="122" presetID="56" presetClass="path" presetSubtype="0" accel="50000" decel="50000" fill="hold" grpId="1" nodeType="withEffect">
+                                  <p:stCondLst>
+                                    <p:cond delay="0"/>
+                                  </p:stCondLst>
+                                  <p:childTnLst>
+                                    <p:animMotion origin="layout" path="M -0.03737 0.04121 L -6.25E-7 -3.33333E-6 " pathEditMode="relative" rAng="0" ptsTypes="AA">
+                                      <p:cBhvr>
+                                        <p:cTn id="123" dur="700" fill="hold"/>
+                                        <p:tgtEl>
+                                          <p:spTgt spid="64"/>
+                                        </p:tgtEl>
+                                        <p:attrNameLst>
+                                          <p:attrName>ppt_x</p:attrName>
+                                          <p:attrName>ppt_y</p:attrName>
+                                        </p:attrNameLst>
+                                      </p:cBhvr>
+                                      <p:rCtr x="1862" y="-2060"/>
+                                    </p:animMotion>
+                                  </p:childTnLst>
+                                </p:cTn>
+                              </p:par>
+                            </p:childTnLst>
+                          </p:cTn>
+                        </p:par>
+                        <p:par>
+                          <p:cTn id="124" fill="hold">
+                            <p:stCondLst>
+                              <p:cond delay="13149"/>
+                            </p:stCondLst>
+                            <p:childTnLst>
+                              <p:par>
+                                <p:cTn id="125" presetID="26" presetClass="emph" presetSubtype="0" fill="hold" grpId="2" nodeType="afterEffect">
+                                  <p:stCondLst>
+                                    <p:cond delay="0"/>
+                                  </p:stCondLst>
+                                  <p:childTnLst>
+                                    <p:animEffect transition="out" filter="fade">
+                                      <p:cBhvr>
+                                        <p:cTn id="126" dur="500" tmFilter="0, 0; .2, .5; .8, .5; 1, 0"/>
+                                        <p:tgtEl>
+                                          <p:spTgt spid="64"/>
+                                        </p:tgtEl>
+                                      </p:cBhvr>
+                                    </p:animEffect>
+                                    <p:animScale>
+                                      <p:cBhvr>
+                                        <p:cTn id="127" dur="250" autoRev="1" fill="hold"/>
+                                        <p:tgtEl>
+                                          <p:spTgt spid="64"/>
+                                        </p:tgtEl>
+                                      </p:cBhvr>
+                                      <p:by x="105000" y="105000"/>
+                                    </p:animScale>
                                   </p:childTnLst>
                                 </p:cTn>
                               </p:par>
@@ -10199,15 +11828,30 @@
       <p:bldP spid="16" grpId="0" bldLvl="0" animBg="1"/>
       <p:bldP spid="16" grpId="1" bldLvl="0" animBg="1"/>
       <p:bldP spid="16" grpId="2" bldLvl="0" animBg="1"/>
-      <p:bldP spid="20" grpId="0" bldLvl="0" animBg="1"/>
-      <p:bldP spid="20" grpId="1" bldLvl="0" animBg="1"/>
-      <p:bldP spid="28" grpId="0" bldLvl="0" animBg="1"/>
-      <p:bldP spid="28" grpId="1" bldLvl="0" animBg="1"/>
       <p:bldP spid="36" grpId="0" bldLvl="0" animBg="1"/>
       <p:bldP spid="37" grpId="0"/>
       <p:bldP spid="38" grpId="0" bldLvl="0" animBg="1"/>
-      <p:bldP spid="24" grpId="0" bldLvl="0" animBg="1"/>
-      <p:bldP spid="24" grpId="1" bldLvl="0" animBg="1"/>
+      <p:bldP spid="57" grpId="0" bldLvl="0" animBg="1"/>
+      <p:bldP spid="57" grpId="1" bldLvl="0" animBg="1"/>
+      <p:bldP spid="57" grpId="2" bldLvl="0" animBg="1"/>
+      <p:bldP spid="59" grpId="0" bldLvl="0" animBg="1"/>
+      <p:bldP spid="59" grpId="1" bldLvl="0" animBg="1"/>
+      <p:bldP spid="59" grpId="2" bldLvl="0" animBg="1"/>
+      <p:bldP spid="60" grpId="0" bldLvl="0" animBg="1"/>
+      <p:bldP spid="60" grpId="1" bldLvl="0" animBg="1"/>
+      <p:bldP spid="60" grpId="2" bldLvl="0" animBg="1"/>
+      <p:bldP spid="61" grpId="0" bldLvl="0" animBg="1"/>
+      <p:bldP spid="61" grpId="1" bldLvl="0" animBg="1"/>
+      <p:bldP spid="61" grpId="2" bldLvl="0" animBg="1"/>
+      <p:bldP spid="62" grpId="0" bldLvl="0" animBg="1"/>
+      <p:bldP spid="62" grpId="1" bldLvl="0" animBg="1"/>
+      <p:bldP spid="62" grpId="2" bldLvl="0" animBg="1"/>
+      <p:bldP spid="63" grpId="0" bldLvl="0" animBg="1"/>
+      <p:bldP spid="63" grpId="1" bldLvl="0" animBg="1"/>
+      <p:bldP spid="63" grpId="2" bldLvl="0" animBg="1"/>
+      <p:bldP spid="64" grpId="0" bldLvl="0" animBg="1"/>
+      <p:bldP spid="64" grpId="1" bldLvl="0" animBg="1"/>
+      <p:bldP spid="64" grpId="2" bldLvl="0" animBg="1"/>
     </p:bldLst>
   </p:timing>
 </p:sld>
@@ -12403,7 +14047,6 @@
             </a:r>
             <a:r>
               <a:rPr lang="zh-CN" altLang="en-US" sz="3200" b="1" dirty="0">
-                <a:ln/>
                 <a:solidFill>
                   <a:schemeClr val="accent1"/>
                 </a:solidFill>
@@ -13000,7 +14643,6 @@
             </a:r>
             <a:r>
               <a:rPr lang="zh-CN" altLang="en-US" sz="3200" b="1" dirty="0">
-                <a:ln/>
                 <a:solidFill>
                   <a:schemeClr val="accent1"/>
                 </a:solidFill>
